--- a/report/ppt-group18.pptx
+++ b/report/ppt-group18.pptx
@@ -58,7 +58,7 @@
       </p:grpSpPr>
       <p:sp>
         <p:nvSpPr>
-          <p:cNvPr id="26" name="PlaceHolder 1"/>
+          <p:cNvPr id="23" name="PlaceHolder 1"/>
           <p:cNvSpPr>
             <a:spLocks noGrp="1"/>
           </p:cNvSpPr>
@@ -68,8 +68,8 @@
         </p:nvSpPr>
         <p:spPr>
           <a:xfrm>
-            <a:off x="838080" y="365040"/>
-            <a:ext cx="10515240" cy="1325160"/>
+            <a:off x="609480" y="273600"/>
+            <a:ext cx="10972440" cy="1144800"/>
           </a:xfrm>
           <a:prstGeom prst="rect">
             <a:avLst/>
@@ -78,77 +78,69 @@
         <p:txBody>
           <a:bodyPr lIns="0" rIns="0" tIns="0" bIns="0" anchor="ctr"/>
           <a:p>
-            <a:endParaRPr b="0" lang="en-US" sz="1800" spc="-1" strike="noStrike">
-              <a:solidFill>
-                <a:srgbClr val="000000"/>
-              </a:solidFill>
-              <a:latin typeface="Calibri"/>
-            </a:endParaRPr>
-          </a:p>
-        </p:txBody>
-      </p:sp>
-      <p:sp>
-        <p:nvSpPr>
-          <p:cNvPr id="27" name="PlaceHolder 2"/>
-          <p:cNvSpPr>
-            <a:spLocks noGrp="1"/>
-          </p:cNvSpPr>
-          <p:nvPr>
-            <p:ph type="body"/>
-          </p:nvPr>
-        </p:nvSpPr>
-        <p:spPr>
-          <a:xfrm>
-            <a:off x="838080" y="1825560"/>
-            <a:ext cx="10515240" cy="2075040"/>
-          </a:xfrm>
-          <a:prstGeom prst="rect">
-            <a:avLst/>
-          </a:prstGeom>
-        </p:spPr>
-        <p:txBody>
-          <a:bodyPr lIns="0" rIns="0" tIns="0" bIns="0">
-            <a:normAutofit/>
-          </a:bodyPr>
-          <a:p>
-            <a:endParaRPr b="0" lang="en-US" sz="2800" spc="-1" strike="noStrike">
-              <a:solidFill>
-                <a:srgbClr val="000000"/>
-              </a:solidFill>
-              <a:latin typeface="Calibri"/>
-            </a:endParaRPr>
-          </a:p>
-        </p:txBody>
-      </p:sp>
-      <p:sp>
-        <p:nvSpPr>
-          <p:cNvPr id="28" name="PlaceHolder 3"/>
-          <p:cNvSpPr>
-            <a:spLocks noGrp="1"/>
-          </p:cNvSpPr>
-          <p:nvPr>
-            <p:ph type="body"/>
-          </p:nvPr>
-        </p:nvSpPr>
-        <p:spPr>
-          <a:xfrm>
-            <a:off x="838080" y="4098240"/>
-            <a:ext cx="10515240" cy="2075040"/>
-          </a:xfrm>
-          <a:prstGeom prst="rect">
-            <a:avLst/>
-          </a:prstGeom>
-        </p:spPr>
-        <p:txBody>
-          <a:bodyPr lIns="0" rIns="0" tIns="0" bIns="0">
-            <a:normAutofit/>
-          </a:bodyPr>
-          <a:p>
-            <a:endParaRPr b="0" lang="en-US" sz="2800" spc="-1" strike="noStrike">
-              <a:solidFill>
-                <a:srgbClr val="000000"/>
-              </a:solidFill>
-              <a:latin typeface="Calibri"/>
+            <a:pPr algn="ctr"/>
+            <a:endParaRPr b="0" lang="en-US" sz="4400" spc="-1" strike="noStrike">
+              <a:latin typeface="Arial"/>
+            </a:endParaRPr>
+          </a:p>
+        </p:txBody>
+      </p:sp>
+      <p:sp>
+        <p:nvSpPr>
+          <p:cNvPr id="24" name="PlaceHolder 2"/>
+          <p:cNvSpPr>
+            <a:spLocks noGrp="1"/>
+          </p:cNvSpPr>
+          <p:nvPr>
+            <p:ph type="body"/>
+          </p:nvPr>
+        </p:nvSpPr>
+        <p:spPr>
+          <a:xfrm>
+            <a:off x="609480" y="1604520"/>
+            <a:ext cx="10972440" cy="1896840"/>
+          </a:xfrm>
+          <a:prstGeom prst="rect">
+            <a:avLst/>
+          </a:prstGeom>
+        </p:spPr>
+        <p:txBody>
+          <a:bodyPr lIns="0" rIns="0" tIns="0" bIns="0">
+            <a:normAutofit/>
+          </a:bodyPr>
+          <a:p>
+            <a:endParaRPr b="0" lang="en-US" sz="3200" spc="-1" strike="noStrike">
+              <a:latin typeface="Arial"/>
+            </a:endParaRPr>
+          </a:p>
+        </p:txBody>
+      </p:sp>
+      <p:sp>
+        <p:nvSpPr>
+          <p:cNvPr id="25" name="PlaceHolder 3"/>
+          <p:cNvSpPr>
+            <a:spLocks noGrp="1"/>
+          </p:cNvSpPr>
+          <p:nvPr>
+            <p:ph type="body"/>
+          </p:nvPr>
+        </p:nvSpPr>
+        <p:spPr>
+          <a:xfrm>
+            <a:off x="609480" y="3682080"/>
+            <a:ext cx="10972440" cy="1896840"/>
+          </a:xfrm>
+          <a:prstGeom prst="rect">
+            <a:avLst/>
+          </a:prstGeom>
+        </p:spPr>
+        <p:txBody>
+          <a:bodyPr lIns="0" rIns="0" tIns="0" bIns="0">
+            <a:normAutofit/>
+          </a:bodyPr>
+          <a:p>
+            <a:endParaRPr b="0" lang="en-US" sz="3200" spc="-1" strike="noStrike">
+              <a:latin typeface="Arial"/>
             </a:endParaRPr>
           </a:p>
         </p:txBody>
@@ -177,7 +169,7 @@
       </p:grpSpPr>
       <p:sp>
         <p:nvSpPr>
-          <p:cNvPr id="29" name="PlaceHolder 1"/>
+          <p:cNvPr id="26" name="PlaceHolder 1"/>
           <p:cNvSpPr>
             <a:spLocks noGrp="1"/>
           </p:cNvSpPr>
@@ -187,8 +179,8 @@
         </p:nvSpPr>
         <p:spPr>
           <a:xfrm>
-            <a:off x="838080" y="365040"/>
-            <a:ext cx="10515240" cy="1325160"/>
+            <a:off x="609480" y="273600"/>
+            <a:ext cx="10972440" cy="1144800"/>
           </a:xfrm>
           <a:prstGeom prst="rect">
             <a:avLst/>
@@ -197,143 +189,129 @@
         <p:txBody>
           <a:bodyPr lIns="0" rIns="0" tIns="0" bIns="0" anchor="ctr"/>
           <a:p>
-            <a:endParaRPr b="0" lang="en-US" sz="1800" spc="-1" strike="noStrike">
-              <a:solidFill>
-                <a:srgbClr val="000000"/>
-              </a:solidFill>
-              <a:latin typeface="Calibri"/>
-            </a:endParaRPr>
-          </a:p>
-        </p:txBody>
-      </p:sp>
-      <p:sp>
-        <p:nvSpPr>
-          <p:cNvPr id="30" name="PlaceHolder 2"/>
-          <p:cNvSpPr>
-            <a:spLocks noGrp="1"/>
-          </p:cNvSpPr>
-          <p:nvPr>
-            <p:ph type="body"/>
-          </p:nvPr>
-        </p:nvSpPr>
-        <p:spPr>
-          <a:xfrm>
-            <a:off x="838080" y="1825560"/>
-            <a:ext cx="5131080" cy="2075040"/>
-          </a:xfrm>
-          <a:prstGeom prst="rect">
-            <a:avLst/>
-          </a:prstGeom>
-        </p:spPr>
-        <p:txBody>
-          <a:bodyPr lIns="0" rIns="0" tIns="0" bIns="0">
-            <a:normAutofit/>
-          </a:bodyPr>
-          <a:p>
-            <a:endParaRPr b="0" lang="en-US" sz="2800" spc="-1" strike="noStrike">
-              <a:solidFill>
-                <a:srgbClr val="000000"/>
-              </a:solidFill>
-              <a:latin typeface="Calibri"/>
-            </a:endParaRPr>
-          </a:p>
-        </p:txBody>
-      </p:sp>
-      <p:sp>
-        <p:nvSpPr>
-          <p:cNvPr id="31" name="PlaceHolder 3"/>
-          <p:cNvSpPr>
-            <a:spLocks noGrp="1"/>
-          </p:cNvSpPr>
-          <p:nvPr>
-            <p:ph type="body"/>
-          </p:nvPr>
-        </p:nvSpPr>
-        <p:spPr>
-          <a:xfrm>
-            <a:off x="6226200" y="1825560"/>
-            <a:ext cx="5131080" cy="2075040"/>
-          </a:xfrm>
-          <a:prstGeom prst="rect">
-            <a:avLst/>
-          </a:prstGeom>
-        </p:spPr>
-        <p:txBody>
-          <a:bodyPr lIns="0" rIns="0" tIns="0" bIns="0">
-            <a:normAutofit/>
-          </a:bodyPr>
-          <a:p>
-            <a:endParaRPr b="0" lang="en-US" sz="2800" spc="-1" strike="noStrike">
-              <a:solidFill>
-                <a:srgbClr val="000000"/>
-              </a:solidFill>
-              <a:latin typeface="Calibri"/>
-            </a:endParaRPr>
-          </a:p>
-        </p:txBody>
-      </p:sp>
-      <p:sp>
-        <p:nvSpPr>
-          <p:cNvPr id="32" name="PlaceHolder 4"/>
-          <p:cNvSpPr>
-            <a:spLocks noGrp="1"/>
-          </p:cNvSpPr>
-          <p:nvPr>
-            <p:ph type="body"/>
-          </p:nvPr>
-        </p:nvSpPr>
-        <p:spPr>
-          <a:xfrm>
-            <a:off x="838080" y="4098240"/>
-            <a:ext cx="5131080" cy="2075040"/>
-          </a:xfrm>
-          <a:prstGeom prst="rect">
-            <a:avLst/>
-          </a:prstGeom>
-        </p:spPr>
-        <p:txBody>
-          <a:bodyPr lIns="0" rIns="0" tIns="0" bIns="0">
-            <a:normAutofit/>
-          </a:bodyPr>
-          <a:p>
-            <a:endParaRPr b="0" lang="en-US" sz="2800" spc="-1" strike="noStrike">
-              <a:solidFill>
-                <a:srgbClr val="000000"/>
-              </a:solidFill>
-              <a:latin typeface="Calibri"/>
-            </a:endParaRPr>
-          </a:p>
-        </p:txBody>
-      </p:sp>
-      <p:sp>
-        <p:nvSpPr>
-          <p:cNvPr id="33" name="PlaceHolder 5"/>
-          <p:cNvSpPr>
-            <a:spLocks noGrp="1"/>
-          </p:cNvSpPr>
-          <p:nvPr>
-            <p:ph type="body"/>
-          </p:nvPr>
-        </p:nvSpPr>
-        <p:spPr>
-          <a:xfrm>
-            <a:off x="6226200" y="4098240"/>
-            <a:ext cx="5131080" cy="2075040"/>
-          </a:xfrm>
-          <a:prstGeom prst="rect">
-            <a:avLst/>
-          </a:prstGeom>
-        </p:spPr>
-        <p:txBody>
-          <a:bodyPr lIns="0" rIns="0" tIns="0" bIns="0">
-            <a:normAutofit/>
-          </a:bodyPr>
-          <a:p>
-            <a:endParaRPr b="0" lang="en-US" sz="2800" spc="-1" strike="noStrike">
-              <a:solidFill>
-                <a:srgbClr val="000000"/>
-              </a:solidFill>
-              <a:latin typeface="Calibri"/>
+            <a:pPr algn="ctr"/>
+            <a:endParaRPr b="0" lang="en-US" sz="4400" spc="-1" strike="noStrike">
+              <a:latin typeface="Arial"/>
+            </a:endParaRPr>
+          </a:p>
+        </p:txBody>
+      </p:sp>
+      <p:sp>
+        <p:nvSpPr>
+          <p:cNvPr id="27" name="PlaceHolder 2"/>
+          <p:cNvSpPr>
+            <a:spLocks noGrp="1"/>
+          </p:cNvSpPr>
+          <p:nvPr>
+            <p:ph type="body"/>
+          </p:nvPr>
+        </p:nvSpPr>
+        <p:spPr>
+          <a:xfrm>
+            <a:off x="609480" y="1604520"/>
+            <a:ext cx="5354280" cy="1896840"/>
+          </a:xfrm>
+          <a:prstGeom prst="rect">
+            <a:avLst/>
+          </a:prstGeom>
+        </p:spPr>
+        <p:txBody>
+          <a:bodyPr lIns="0" rIns="0" tIns="0" bIns="0">
+            <a:normAutofit/>
+          </a:bodyPr>
+          <a:p>
+            <a:endParaRPr b="0" lang="en-US" sz="3200" spc="-1" strike="noStrike">
+              <a:latin typeface="Arial"/>
+            </a:endParaRPr>
+          </a:p>
+        </p:txBody>
+      </p:sp>
+      <p:sp>
+        <p:nvSpPr>
+          <p:cNvPr id="28" name="PlaceHolder 3"/>
+          <p:cNvSpPr>
+            <a:spLocks noGrp="1"/>
+          </p:cNvSpPr>
+          <p:nvPr>
+            <p:ph type="body"/>
+          </p:nvPr>
+        </p:nvSpPr>
+        <p:spPr>
+          <a:xfrm>
+            <a:off x="6231960" y="1604520"/>
+            <a:ext cx="5354280" cy="1896840"/>
+          </a:xfrm>
+          <a:prstGeom prst="rect">
+            <a:avLst/>
+          </a:prstGeom>
+        </p:spPr>
+        <p:txBody>
+          <a:bodyPr lIns="0" rIns="0" tIns="0" bIns="0">
+            <a:normAutofit/>
+          </a:bodyPr>
+          <a:p>
+            <a:endParaRPr b="0" lang="en-US" sz="3200" spc="-1" strike="noStrike">
+              <a:latin typeface="Arial"/>
+            </a:endParaRPr>
+          </a:p>
+        </p:txBody>
+      </p:sp>
+      <p:sp>
+        <p:nvSpPr>
+          <p:cNvPr id="29" name="PlaceHolder 4"/>
+          <p:cNvSpPr>
+            <a:spLocks noGrp="1"/>
+          </p:cNvSpPr>
+          <p:nvPr>
+            <p:ph type="body"/>
+          </p:nvPr>
+        </p:nvSpPr>
+        <p:spPr>
+          <a:xfrm>
+            <a:off x="609480" y="3682080"/>
+            <a:ext cx="5354280" cy="1896840"/>
+          </a:xfrm>
+          <a:prstGeom prst="rect">
+            <a:avLst/>
+          </a:prstGeom>
+        </p:spPr>
+        <p:txBody>
+          <a:bodyPr lIns="0" rIns="0" tIns="0" bIns="0">
+            <a:normAutofit/>
+          </a:bodyPr>
+          <a:p>
+            <a:endParaRPr b="0" lang="en-US" sz="3200" spc="-1" strike="noStrike">
+              <a:latin typeface="Arial"/>
+            </a:endParaRPr>
+          </a:p>
+        </p:txBody>
+      </p:sp>
+      <p:sp>
+        <p:nvSpPr>
+          <p:cNvPr id="30" name="PlaceHolder 5"/>
+          <p:cNvSpPr>
+            <a:spLocks noGrp="1"/>
+          </p:cNvSpPr>
+          <p:nvPr>
+            <p:ph type="body"/>
+          </p:nvPr>
+        </p:nvSpPr>
+        <p:spPr>
+          <a:xfrm>
+            <a:off x="6231960" y="3682080"/>
+            <a:ext cx="5354280" cy="1896840"/>
+          </a:xfrm>
+          <a:prstGeom prst="rect">
+            <a:avLst/>
+          </a:prstGeom>
+        </p:spPr>
+        <p:txBody>
+          <a:bodyPr lIns="0" rIns="0" tIns="0" bIns="0">
+            <a:normAutofit/>
+          </a:bodyPr>
+          <a:p>
+            <a:endParaRPr b="0" lang="en-US" sz="3200" spc="-1" strike="noStrike">
+              <a:latin typeface="Arial"/>
             </a:endParaRPr>
           </a:p>
         </p:txBody>
@@ -362,7 +340,7 @@
       </p:grpSpPr>
       <p:sp>
         <p:nvSpPr>
-          <p:cNvPr id="34" name="PlaceHolder 1"/>
+          <p:cNvPr id="31" name="PlaceHolder 1"/>
           <p:cNvSpPr>
             <a:spLocks noGrp="1"/>
           </p:cNvSpPr>
@@ -372,8 +350,8 @@
         </p:nvSpPr>
         <p:spPr>
           <a:xfrm>
-            <a:off x="838080" y="365040"/>
-            <a:ext cx="10515240" cy="1325160"/>
+            <a:off x="609480" y="273600"/>
+            <a:ext cx="10972440" cy="1144800"/>
           </a:xfrm>
           <a:prstGeom prst="rect">
             <a:avLst/>
@@ -382,209 +360,189 @@
         <p:txBody>
           <a:bodyPr lIns="0" rIns="0" tIns="0" bIns="0" anchor="ctr"/>
           <a:p>
-            <a:endParaRPr b="0" lang="en-US" sz="1800" spc="-1" strike="noStrike">
-              <a:solidFill>
-                <a:srgbClr val="000000"/>
-              </a:solidFill>
-              <a:latin typeface="Calibri"/>
-            </a:endParaRPr>
-          </a:p>
-        </p:txBody>
-      </p:sp>
-      <p:sp>
-        <p:nvSpPr>
-          <p:cNvPr id="35" name="PlaceHolder 2"/>
-          <p:cNvSpPr>
-            <a:spLocks noGrp="1"/>
-          </p:cNvSpPr>
-          <p:nvPr>
-            <p:ph type="body"/>
-          </p:nvPr>
-        </p:nvSpPr>
-        <p:spPr>
-          <a:xfrm>
-            <a:off x="838080" y="1825560"/>
-            <a:ext cx="3385800" cy="2075040"/>
-          </a:xfrm>
-          <a:prstGeom prst="rect">
-            <a:avLst/>
-          </a:prstGeom>
-        </p:spPr>
-        <p:txBody>
-          <a:bodyPr lIns="0" rIns="0" tIns="0" bIns="0">
-            <a:normAutofit/>
-          </a:bodyPr>
-          <a:p>
-            <a:endParaRPr b="0" lang="en-US" sz="2800" spc="-1" strike="noStrike">
-              <a:solidFill>
-                <a:srgbClr val="000000"/>
-              </a:solidFill>
-              <a:latin typeface="Calibri"/>
-            </a:endParaRPr>
-          </a:p>
-        </p:txBody>
-      </p:sp>
-      <p:sp>
-        <p:nvSpPr>
-          <p:cNvPr id="36" name="PlaceHolder 3"/>
-          <p:cNvSpPr>
-            <a:spLocks noGrp="1"/>
-          </p:cNvSpPr>
-          <p:nvPr>
-            <p:ph type="body"/>
-          </p:nvPr>
-        </p:nvSpPr>
-        <p:spPr>
-          <a:xfrm>
-            <a:off x="4393440" y="1825560"/>
-            <a:ext cx="3385800" cy="2075040"/>
-          </a:xfrm>
-          <a:prstGeom prst="rect">
-            <a:avLst/>
-          </a:prstGeom>
-        </p:spPr>
-        <p:txBody>
-          <a:bodyPr lIns="0" rIns="0" tIns="0" bIns="0">
-            <a:normAutofit/>
-          </a:bodyPr>
-          <a:p>
-            <a:endParaRPr b="0" lang="en-US" sz="2800" spc="-1" strike="noStrike">
-              <a:solidFill>
-                <a:srgbClr val="000000"/>
-              </a:solidFill>
-              <a:latin typeface="Calibri"/>
-            </a:endParaRPr>
-          </a:p>
-        </p:txBody>
-      </p:sp>
-      <p:sp>
-        <p:nvSpPr>
-          <p:cNvPr id="37" name="PlaceHolder 4"/>
-          <p:cNvSpPr>
-            <a:spLocks noGrp="1"/>
-          </p:cNvSpPr>
-          <p:nvPr>
-            <p:ph type="body"/>
-          </p:nvPr>
-        </p:nvSpPr>
-        <p:spPr>
-          <a:xfrm>
-            <a:off x="7949160" y="1825560"/>
-            <a:ext cx="3385800" cy="2075040"/>
-          </a:xfrm>
-          <a:prstGeom prst="rect">
-            <a:avLst/>
-          </a:prstGeom>
-        </p:spPr>
-        <p:txBody>
-          <a:bodyPr lIns="0" rIns="0" tIns="0" bIns="0">
-            <a:normAutofit/>
-          </a:bodyPr>
-          <a:p>
-            <a:endParaRPr b="0" lang="en-US" sz="2800" spc="-1" strike="noStrike">
-              <a:solidFill>
-                <a:srgbClr val="000000"/>
-              </a:solidFill>
-              <a:latin typeface="Calibri"/>
-            </a:endParaRPr>
-          </a:p>
-        </p:txBody>
-      </p:sp>
-      <p:sp>
-        <p:nvSpPr>
-          <p:cNvPr id="38" name="PlaceHolder 5"/>
-          <p:cNvSpPr>
-            <a:spLocks noGrp="1"/>
-          </p:cNvSpPr>
-          <p:nvPr>
-            <p:ph type="body"/>
-          </p:nvPr>
-        </p:nvSpPr>
-        <p:spPr>
-          <a:xfrm>
-            <a:off x="838080" y="4098240"/>
-            <a:ext cx="3385800" cy="2075040"/>
-          </a:xfrm>
-          <a:prstGeom prst="rect">
-            <a:avLst/>
-          </a:prstGeom>
-        </p:spPr>
-        <p:txBody>
-          <a:bodyPr lIns="0" rIns="0" tIns="0" bIns="0">
-            <a:normAutofit/>
-          </a:bodyPr>
-          <a:p>
-            <a:endParaRPr b="0" lang="en-US" sz="2800" spc="-1" strike="noStrike">
-              <a:solidFill>
-                <a:srgbClr val="000000"/>
-              </a:solidFill>
-              <a:latin typeface="Calibri"/>
-            </a:endParaRPr>
-          </a:p>
-        </p:txBody>
-      </p:sp>
-      <p:sp>
-        <p:nvSpPr>
-          <p:cNvPr id="39" name="PlaceHolder 6"/>
-          <p:cNvSpPr>
-            <a:spLocks noGrp="1"/>
-          </p:cNvSpPr>
-          <p:nvPr>
-            <p:ph type="body"/>
-          </p:nvPr>
-        </p:nvSpPr>
-        <p:spPr>
-          <a:xfrm>
-            <a:off x="4393440" y="4098240"/>
-            <a:ext cx="3385800" cy="2075040"/>
-          </a:xfrm>
-          <a:prstGeom prst="rect">
-            <a:avLst/>
-          </a:prstGeom>
-        </p:spPr>
-        <p:txBody>
-          <a:bodyPr lIns="0" rIns="0" tIns="0" bIns="0">
-            <a:normAutofit/>
-          </a:bodyPr>
-          <a:p>
-            <a:endParaRPr b="0" lang="en-US" sz="2800" spc="-1" strike="noStrike">
-              <a:solidFill>
-                <a:srgbClr val="000000"/>
-              </a:solidFill>
-              <a:latin typeface="Calibri"/>
-            </a:endParaRPr>
-          </a:p>
-        </p:txBody>
-      </p:sp>
-      <p:sp>
-        <p:nvSpPr>
-          <p:cNvPr id="40" name="PlaceHolder 7"/>
-          <p:cNvSpPr>
-            <a:spLocks noGrp="1"/>
-          </p:cNvSpPr>
-          <p:nvPr>
-            <p:ph type="body"/>
-          </p:nvPr>
-        </p:nvSpPr>
-        <p:spPr>
-          <a:xfrm>
-            <a:off x="7949160" y="4098240"/>
-            <a:ext cx="3385800" cy="2075040"/>
-          </a:xfrm>
-          <a:prstGeom prst="rect">
-            <a:avLst/>
-          </a:prstGeom>
-        </p:spPr>
-        <p:txBody>
-          <a:bodyPr lIns="0" rIns="0" tIns="0" bIns="0">
-            <a:normAutofit/>
-          </a:bodyPr>
-          <a:p>
-            <a:endParaRPr b="0" lang="en-US" sz="2800" spc="-1" strike="noStrike">
-              <a:solidFill>
-                <a:srgbClr val="000000"/>
-              </a:solidFill>
-              <a:latin typeface="Calibri"/>
+            <a:pPr algn="ctr"/>
+            <a:endParaRPr b="0" lang="en-US" sz="4400" spc="-1" strike="noStrike">
+              <a:latin typeface="Arial"/>
+            </a:endParaRPr>
+          </a:p>
+        </p:txBody>
+      </p:sp>
+      <p:sp>
+        <p:nvSpPr>
+          <p:cNvPr id="32" name="PlaceHolder 2"/>
+          <p:cNvSpPr>
+            <a:spLocks noGrp="1"/>
+          </p:cNvSpPr>
+          <p:nvPr>
+            <p:ph type="body"/>
+          </p:nvPr>
+        </p:nvSpPr>
+        <p:spPr>
+          <a:xfrm>
+            <a:off x="609480" y="1604520"/>
+            <a:ext cx="3533040" cy="1896840"/>
+          </a:xfrm>
+          <a:prstGeom prst="rect">
+            <a:avLst/>
+          </a:prstGeom>
+        </p:spPr>
+        <p:txBody>
+          <a:bodyPr lIns="0" rIns="0" tIns="0" bIns="0">
+            <a:normAutofit/>
+          </a:bodyPr>
+          <a:p>
+            <a:endParaRPr b="0" lang="en-US" sz="3200" spc="-1" strike="noStrike">
+              <a:latin typeface="Arial"/>
+            </a:endParaRPr>
+          </a:p>
+        </p:txBody>
+      </p:sp>
+      <p:sp>
+        <p:nvSpPr>
+          <p:cNvPr id="33" name="PlaceHolder 3"/>
+          <p:cNvSpPr>
+            <a:spLocks noGrp="1"/>
+          </p:cNvSpPr>
+          <p:nvPr>
+            <p:ph type="body"/>
+          </p:nvPr>
+        </p:nvSpPr>
+        <p:spPr>
+          <a:xfrm>
+            <a:off x="4319640" y="1604520"/>
+            <a:ext cx="3533040" cy="1896840"/>
+          </a:xfrm>
+          <a:prstGeom prst="rect">
+            <a:avLst/>
+          </a:prstGeom>
+        </p:spPr>
+        <p:txBody>
+          <a:bodyPr lIns="0" rIns="0" tIns="0" bIns="0">
+            <a:normAutofit/>
+          </a:bodyPr>
+          <a:p>
+            <a:endParaRPr b="0" lang="en-US" sz="3200" spc="-1" strike="noStrike">
+              <a:latin typeface="Arial"/>
+            </a:endParaRPr>
+          </a:p>
+        </p:txBody>
+      </p:sp>
+      <p:sp>
+        <p:nvSpPr>
+          <p:cNvPr id="34" name="PlaceHolder 4"/>
+          <p:cNvSpPr>
+            <a:spLocks noGrp="1"/>
+          </p:cNvSpPr>
+          <p:nvPr>
+            <p:ph type="body"/>
+          </p:nvPr>
+        </p:nvSpPr>
+        <p:spPr>
+          <a:xfrm>
+            <a:off x="8029800" y="1604520"/>
+            <a:ext cx="3533040" cy="1896840"/>
+          </a:xfrm>
+          <a:prstGeom prst="rect">
+            <a:avLst/>
+          </a:prstGeom>
+        </p:spPr>
+        <p:txBody>
+          <a:bodyPr lIns="0" rIns="0" tIns="0" bIns="0">
+            <a:normAutofit/>
+          </a:bodyPr>
+          <a:p>
+            <a:endParaRPr b="0" lang="en-US" sz="3200" spc="-1" strike="noStrike">
+              <a:latin typeface="Arial"/>
+            </a:endParaRPr>
+          </a:p>
+        </p:txBody>
+      </p:sp>
+      <p:sp>
+        <p:nvSpPr>
+          <p:cNvPr id="35" name="PlaceHolder 5"/>
+          <p:cNvSpPr>
+            <a:spLocks noGrp="1"/>
+          </p:cNvSpPr>
+          <p:nvPr>
+            <p:ph type="body"/>
+          </p:nvPr>
+        </p:nvSpPr>
+        <p:spPr>
+          <a:xfrm>
+            <a:off x="609480" y="3682080"/>
+            <a:ext cx="3533040" cy="1896840"/>
+          </a:xfrm>
+          <a:prstGeom prst="rect">
+            <a:avLst/>
+          </a:prstGeom>
+        </p:spPr>
+        <p:txBody>
+          <a:bodyPr lIns="0" rIns="0" tIns="0" bIns="0">
+            <a:normAutofit/>
+          </a:bodyPr>
+          <a:p>
+            <a:endParaRPr b="0" lang="en-US" sz="3200" spc="-1" strike="noStrike">
+              <a:latin typeface="Arial"/>
+            </a:endParaRPr>
+          </a:p>
+        </p:txBody>
+      </p:sp>
+      <p:sp>
+        <p:nvSpPr>
+          <p:cNvPr id="36" name="PlaceHolder 6"/>
+          <p:cNvSpPr>
+            <a:spLocks noGrp="1"/>
+          </p:cNvSpPr>
+          <p:nvPr>
+            <p:ph type="body"/>
+          </p:nvPr>
+        </p:nvSpPr>
+        <p:spPr>
+          <a:xfrm>
+            <a:off x="4319640" y="3682080"/>
+            <a:ext cx="3533040" cy="1896840"/>
+          </a:xfrm>
+          <a:prstGeom prst="rect">
+            <a:avLst/>
+          </a:prstGeom>
+        </p:spPr>
+        <p:txBody>
+          <a:bodyPr lIns="0" rIns="0" tIns="0" bIns="0">
+            <a:normAutofit/>
+          </a:bodyPr>
+          <a:p>
+            <a:endParaRPr b="0" lang="en-US" sz="3200" spc="-1" strike="noStrike">
+              <a:latin typeface="Arial"/>
+            </a:endParaRPr>
+          </a:p>
+        </p:txBody>
+      </p:sp>
+      <p:sp>
+        <p:nvSpPr>
+          <p:cNvPr id="37" name="PlaceHolder 7"/>
+          <p:cNvSpPr>
+            <a:spLocks noGrp="1"/>
+          </p:cNvSpPr>
+          <p:nvPr>
+            <p:ph type="body"/>
+          </p:nvPr>
+        </p:nvSpPr>
+        <p:spPr>
+          <a:xfrm>
+            <a:off x="8029800" y="3682080"/>
+            <a:ext cx="3533040" cy="1896840"/>
+          </a:xfrm>
+          <a:prstGeom prst="rect">
+            <a:avLst/>
+          </a:prstGeom>
+        </p:spPr>
+        <p:txBody>
+          <a:bodyPr lIns="0" rIns="0" tIns="0" bIns="0">
+            <a:normAutofit/>
+          </a:bodyPr>
+          <a:p>
+            <a:endParaRPr b="0" lang="en-US" sz="3200" spc="-1" strike="noStrike">
+              <a:latin typeface="Arial"/>
             </a:endParaRPr>
           </a:p>
         </p:txBody>
@@ -635,7 +593,7 @@
       </p:grpSpPr>
       <p:sp>
         <p:nvSpPr>
-          <p:cNvPr id="46" name="PlaceHolder 1"/>
+          <p:cNvPr id="40" name="PlaceHolder 1"/>
           <p:cNvSpPr>
             <a:spLocks noGrp="1"/>
           </p:cNvSpPr>
@@ -645,8 +603,8 @@
         </p:nvSpPr>
         <p:spPr>
           <a:xfrm>
-            <a:off x="838080" y="365040"/>
-            <a:ext cx="10515240" cy="1325160"/>
+            <a:off x="609480" y="273600"/>
+            <a:ext cx="10972440" cy="1144800"/>
           </a:xfrm>
           <a:prstGeom prst="rect">
             <a:avLst/>
@@ -655,18 +613,16 @@
         <p:txBody>
           <a:bodyPr lIns="0" rIns="0" tIns="0" bIns="0" anchor="ctr"/>
           <a:p>
-            <a:endParaRPr b="0" lang="en-US" sz="1800" spc="-1" strike="noStrike">
-              <a:solidFill>
-                <a:srgbClr val="000000"/>
-              </a:solidFill>
-              <a:latin typeface="Calibri"/>
-            </a:endParaRPr>
-          </a:p>
-        </p:txBody>
-      </p:sp>
-      <p:sp>
-        <p:nvSpPr>
-          <p:cNvPr id="47" name="PlaceHolder 2"/>
+            <a:pPr algn="ctr"/>
+            <a:endParaRPr b="0" lang="en-US" sz="4400" spc="-1" strike="noStrike">
+              <a:latin typeface="Arial"/>
+            </a:endParaRPr>
+          </a:p>
+        </p:txBody>
+      </p:sp>
+      <p:sp>
+        <p:nvSpPr>
+          <p:cNvPr id="41" name="PlaceHolder 2"/>
           <p:cNvSpPr>
             <a:spLocks noGrp="1"/>
           </p:cNvSpPr>
@@ -676,8 +632,8 @@
         </p:nvSpPr>
         <p:spPr>
           <a:xfrm>
-            <a:off x="838080" y="1825560"/>
-            <a:ext cx="10515240" cy="4350960"/>
+            <a:off x="609480" y="1604520"/>
+            <a:ext cx="10972440" cy="3977280"/>
           </a:xfrm>
           <a:prstGeom prst="rect">
             <a:avLst/>
@@ -717,7 +673,7 @@
       </p:grpSpPr>
       <p:sp>
         <p:nvSpPr>
-          <p:cNvPr id="48" name="PlaceHolder 1"/>
+          <p:cNvPr id="42" name="PlaceHolder 1"/>
           <p:cNvSpPr>
             <a:spLocks noGrp="1"/>
           </p:cNvSpPr>
@@ -727,8 +683,8 @@
         </p:nvSpPr>
         <p:spPr>
           <a:xfrm>
-            <a:off x="838080" y="365040"/>
-            <a:ext cx="10515240" cy="1325160"/>
+            <a:off x="609480" y="273600"/>
+            <a:ext cx="10972440" cy="1144800"/>
           </a:xfrm>
           <a:prstGeom prst="rect">
             <a:avLst/>
@@ -737,44 +693,39 @@
         <p:txBody>
           <a:bodyPr lIns="0" rIns="0" tIns="0" bIns="0" anchor="ctr"/>
           <a:p>
-            <a:endParaRPr b="0" lang="en-US" sz="1800" spc="-1" strike="noStrike">
-              <a:solidFill>
-                <a:srgbClr val="000000"/>
-              </a:solidFill>
-              <a:latin typeface="Calibri"/>
-            </a:endParaRPr>
-          </a:p>
-        </p:txBody>
-      </p:sp>
-      <p:sp>
-        <p:nvSpPr>
-          <p:cNvPr id="49" name="PlaceHolder 2"/>
-          <p:cNvSpPr>
-            <a:spLocks noGrp="1"/>
-          </p:cNvSpPr>
-          <p:nvPr>
-            <p:ph type="body"/>
-          </p:nvPr>
-        </p:nvSpPr>
-        <p:spPr>
-          <a:xfrm>
-            <a:off x="838080" y="1825560"/>
-            <a:ext cx="10515240" cy="4350960"/>
-          </a:xfrm>
-          <a:prstGeom prst="rect">
-            <a:avLst/>
-          </a:prstGeom>
-        </p:spPr>
-        <p:txBody>
-          <a:bodyPr lIns="0" rIns="0" tIns="0" bIns="0">
-            <a:normAutofit/>
-          </a:bodyPr>
-          <a:p>
-            <a:endParaRPr b="0" lang="en-US" sz="2800" spc="-1" strike="noStrike">
-              <a:solidFill>
-                <a:srgbClr val="000000"/>
-              </a:solidFill>
-              <a:latin typeface="Calibri"/>
+            <a:pPr algn="ctr"/>
+            <a:endParaRPr b="0" lang="en-US" sz="4400" spc="-1" strike="noStrike">
+              <a:latin typeface="Arial"/>
+            </a:endParaRPr>
+          </a:p>
+        </p:txBody>
+      </p:sp>
+      <p:sp>
+        <p:nvSpPr>
+          <p:cNvPr id="43" name="PlaceHolder 2"/>
+          <p:cNvSpPr>
+            <a:spLocks noGrp="1"/>
+          </p:cNvSpPr>
+          <p:nvPr>
+            <p:ph type="body"/>
+          </p:nvPr>
+        </p:nvSpPr>
+        <p:spPr>
+          <a:xfrm>
+            <a:off x="609480" y="1604520"/>
+            <a:ext cx="10972440" cy="3977280"/>
+          </a:xfrm>
+          <a:prstGeom prst="rect">
+            <a:avLst/>
+          </a:prstGeom>
+        </p:spPr>
+        <p:txBody>
+          <a:bodyPr lIns="0" rIns="0" tIns="0" bIns="0">
+            <a:normAutofit/>
+          </a:bodyPr>
+          <a:p>
+            <a:endParaRPr b="0" lang="en-US" sz="3200" spc="-1" strike="noStrike">
+              <a:latin typeface="Arial"/>
             </a:endParaRPr>
           </a:p>
         </p:txBody>
@@ -803,7 +754,7 @@
       </p:grpSpPr>
       <p:sp>
         <p:nvSpPr>
-          <p:cNvPr id="50" name="PlaceHolder 1"/>
+          <p:cNvPr id="44" name="PlaceHolder 1"/>
           <p:cNvSpPr>
             <a:spLocks noGrp="1"/>
           </p:cNvSpPr>
@@ -813,8 +764,8 @@
         </p:nvSpPr>
         <p:spPr>
           <a:xfrm>
-            <a:off x="838080" y="365040"/>
-            <a:ext cx="10515240" cy="1325160"/>
+            <a:off x="609480" y="273600"/>
+            <a:ext cx="10972440" cy="1144800"/>
           </a:xfrm>
           <a:prstGeom prst="rect">
             <a:avLst/>
@@ -823,77 +774,69 @@
         <p:txBody>
           <a:bodyPr lIns="0" rIns="0" tIns="0" bIns="0" anchor="ctr"/>
           <a:p>
-            <a:endParaRPr b="0" lang="en-US" sz="1800" spc="-1" strike="noStrike">
-              <a:solidFill>
-                <a:srgbClr val="000000"/>
-              </a:solidFill>
-              <a:latin typeface="Calibri"/>
-            </a:endParaRPr>
-          </a:p>
-        </p:txBody>
-      </p:sp>
-      <p:sp>
-        <p:nvSpPr>
-          <p:cNvPr id="51" name="PlaceHolder 2"/>
-          <p:cNvSpPr>
-            <a:spLocks noGrp="1"/>
-          </p:cNvSpPr>
-          <p:nvPr>
-            <p:ph type="body"/>
-          </p:nvPr>
-        </p:nvSpPr>
-        <p:spPr>
-          <a:xfrm>
-            <a:off x="838080" y="1825560"/>
-            <a:ext cx="5131080" cy="4350960"/>
-          </a:xfrm>
-          <a:prstGeom prst="rect">
-            <a:avLst/>
-          </a:prstGeom>
-        </p:spPr>
-        <p:txBody>
-          <a:bodyPr lIns="0" rIns="0" tIns="0" bIns="0">
-            <a:normAutofit/>
-          </a:bodyPr>
-          <a:p>
-            <a:endParaRPr b="0" lang="en-US" sz="2800" spc="-1" strike="noStrike">
-              <a:solidFill>
-                <a:srgbClr val="000000"/>
-              </a:solidFill>
-              <a:latin typeface="Calibri"/>
-            </a:endParaRPr>
-          </a:p>
-        </p:txBody>
-      </p:sp>
-      <p:sp>
-        <p:nvSpPr>
-          <p:cNvPr id="52" name="PlaceHolder 3"/>
-          <p:cNvSpPr>
-            <a:spLocks noGrp="1"/>
-          </p:cNvSpPr>
-          <p:nvPr>
-            <p:ph type="body"/>
-          </p:nvPr>
-        </p:nvSpPr>
-        <p:spPr>
-          <a:xfrm>
-            <a:off x="6226200" y="1825560"/>
-            <a:ext cx="5131080" cy="4350960"/>
-          </a:xfrm>
-          <a:prstGeom prst="rect">
-            <a:avLst/>
-          </a:prstGeom>
-        </p:spPr>
-        <p:txBody>
-          <a:bodyPr lIns="0" rIns="0" tIns="0" bIns="0">
-            <a:normAutofit/>
-          </a:bodyPr>
-          <a:p>
-            <a:endParaRPr b="0" lang="en-US" sz="2800" spc="-1" strike="noStrike">
-              <a:solidFill>
-                <a:srgbClr val="000000"/>
-              </a:solidFill>
-              <a:latin typeface="Calibri"/>
+            <a:pPr algn="ctr"/>
+            <a:endParaRPr b="0" lang="en-US" sz="4400" spc="-1" strike="noStrike">
+              <a:latin typeface="Arial"/>
+            </a:endParaRPr>
+          </a:p>
+        </p:txBody>
+      </p:sp>
+      <p:sp>
+        <p:nvSpPr>
+          <p:cNvPr id="45" name="PlaceHolder 2"/>
+          <p:cNvSpPr>
+            <a:spLocks noGrp="1"/>
+          </p:cNvSpPr>
+          <p:nvPr>
+            <p:ph type="body"/>
+          </p:nvPr>
+        </p:nvSpPr>
+        <p:spPr>
+          <a:xfrm>
+            <a:off x="609480" y="1604520"/>
+            <a:ext cx="5354280" cy="3977280"/>
+          </a:xfrm>
+          <a:prstGeom prst="rect">
+            <a:avLst/>
+          </a:prstGeom>
+        </p:spPr>
+        <p:txBody>
+          <a:bodyPr lIns="0" rIns="0" tIns="0" bIns="0">
+            <a:normAutofit/>
+          </a:bodyPr>
+          <a:p>
+            <a:endParaRPr b="0" lang="en-US" sz="3200" spc="-1" strike="noStrike">
+              <a:latin typeface="Arial"/>
+            </a:endParaRPr>
+          </a:p>
+        </p:txBody>
+      </p:sp>
+      <p:sp>
+        <p:nvSpPr>
+          <p:cNvPr id="46" name="PlaceHolder 3"/>
+          <p:cNvSpPr>
+            <a:spLocks noGrp="1"/>
+          </p:cNvSpPr>
+          <p:nvPr>
+            <p:ph type="body"/>
+          </p:nvPr>
+        </p:nvSpPr>
+        <p:spPr>
+          <a:xfrm>
+            <a:off x="6231960" y="1604520"/>
+            <a:ext cx="5354280" cy="3977280"/>
+          </a:xfrm>
+          <a:prstGeom prst="rect">
+            <a:avLst/>
+          </a:prstGeom>
+        </p:spPr>
+        <p:txBody>
+          <a:bodyPr lIns="0" rIns="0" tIns="0" bIns="0">
+            <a:normAutofit/>
+          </a:bodyPr>
+          <a:p>
+            <a:endParaRPr b="0" lang="en-US" sz="3200" spc="-1" strike="noStrike">
+              <a:latin typeface="Arial"/>
             </a:endParaRPr>
           </a:p>
         </p:txBody>
@@ -922,7 +865,7 @@
       </p:grpSpPr>
       <p:sp>
         <p:nvSpPr>
-          <p:cNvPr id="53" name="PlaceHolder 1"/>
+          <p:cNvPr id="47" name="PlaceHolder 1"/>
           <p:cNvSpPr>
             <a:spLocks noGrp="1"/>
           </p:cNvSpPr>
@@ -932,8 +875,8 @@
         </p:nvSpPr>
         <p:spPr>
           <a:xfrm>
-            <a:off x="838080" y="365040"/>
-            <a:ext cx="10515240" cy="1325160"/>
+            <a:off x="609480" y="273600"/>
+            <a:ext cx="10972440" cy="1144800"/>
           </a:xfrm>
           <a:prstGeom prst="rect">
             <a:avLst/>
@@ -942,11 +885,9 @@
         <p:txBody>
           <a:bodyPr lIns="0" rIns="0" tIns="0" bIns="0" anchor="ctr"/>
           <a:p>
-            <a:endParaRPr b="0" lang="en-US" sz="1800" spc="-1" strike="noStrike">
-              <a:solidFill>
-                <a:srgbClr val="000000"/>
-              </a:solidFill>
-              <a:latin typeface="Calibri"/>
+            <a:pPr algn="ctr"/>
+            <a:endParaRPr b="0" lang="en-US" sz="4400" spc="-1" strike="noStrike">
+              <a:latin typeface="Arial"/>
             </a:endParaRPr>
           </a:p>
         </p:txBody>
@@ -975,7 +916,7 @@
       </p:grpSpPr>
       <p:sp>
         <p:nvSpPr>
-          <p:cNvPr id="54" name="PlaceHolder 1"/>
+          <p:cNvPr id="48" name="PlaceHolder 1"/>
           <p:cNvSpPr>
             <a:spLocks noGrp="1"/>
           </p:cNvSpPr>
@@ -985,8 +926,8 @@
         </p:nvSpPr>
         <p:spPr>
           <a:xfrm>
-            <a:off x="838080" y="365040"/>
-            <a:ext cx="10515240" cy="6144120"/>
+            <a:off x="609480" y="273600"/>
+            <a:ext cx="10972440" cy="5307840"/>
           </a:xfrm>
           <a:prstGeom prst="rect">
             <a:avLst/>
@@ -1026,7 +967,7 @@
       </p:grpSpPr>
       <p:sp>
         <p:nvSpPr>
-          <p:cNvPr id="55" name="PlaceHolder 1"/>
+          <p:cNvPr id="49" name="PlaceHolder 1"/>
           <p:cNvSpPr>
             <a:spLocks noGrp="1"/>
           </p:cNvSpPr>
@@ -1036,8 +977,8 @@
         </p:nvSpPr>
         <p:spPr>
           <a:xfrm>
-            <a:off x="838080" y="365040"/>
-            <a:ext cx="10515240" cy="1325160"/>
+            <a:off x="609480" y="273600"/>
+            <a:ext cx="10972440" cy="1144800"/>
           </a:xfrm>
           <a:prstGeom prst="rect">
             <a:avLst/>
@@ -1046,110 +987,99 @@
         <p:txBody>
           <a:bodyPr lIns="0" rIns="0" tIns="0" bIns="0" anchor="ctr"/>
           <a:p>
-            <a:endParaRPr b="0" lang="en-US" sz="1800" spc="-1" strike="noStrike">
-              <a:solidFill>
-                <a:srgbClr val="000000"/>
-              </a:solidFill>
-              <a:latin typeface="Calibri"/>
-            </a:endParaRPr>
-          </a:p>
-        </p:txBody>
-      </p:sp>
-      <p:sp>
-        <p:nvSpPr>
-          <p:cNvPr id="56" name="PlaceHolder 2"/>
-          <p:cNvSpPr>
-            <a:spLocks noGrp="1"/>
-          </p:cNvSpPr>
-          <p:nvPr>
-            <p:ph type="body"/>
-          </p:nvPr>
-        </p:nvSpPr>
-        <p:spPr>
-          <a:xfrm>
-            <a:off x="838080" y="1825560"/>
-            <a:ext cx="5131080" cy="2075040"/>
-          </a:xfrm>
-          <a:prstGeom prst="rect">
-            <a:avLst/>
-          </a:prstGeom>
-        </p:spPr>
-        <p:txBody>
-          <a:bodyPr lIns="0" rIns="0" tIns="0" bIns="0">
-            <a:normAutofit/>
-          </a:bodyPr>
-          <a:p>
-            <a:endParaRPr b="0" lang="en-US" sz="2800" spc="-1" strike="noStrike">
-              <a:solidFill>
-                <a:srgbClr val="000000"/>
-              </a:solidFill>
-              <a:latin typeface="Calibri"/>
-            </a:endParaRPr>
-          </a:p>
-        </p:txBody>
-      </p:sp>
-      <p:sp>
-        <p:nvSpPr>
-          <p:cNvPr id="57" name="PlaceHolder 3"/>
-          <p:cNvSpPr>
-            <a:spLocks noGrp="1"/>
-          </p:cNvSpPr>
-          <p:nvPr>
-            <p:ph type="body"/>
-          </p:nvPr>
-        </p:nvSpPr>
-        <p:spPr>
-          <a:xfrm>
-            <a:off x="6226200" y="1825560"/>
-            <a:ext cx="5131080" cy="4350960"/>
-          </a:xfrm>
-          <a:prstGeom prst="rect">
-            <a:avLst/>
-          </a:prstGeom>
-        </p:spPr>
-        <p:txBody>
-          <a:bodyPr lIns="0" rIns="0" tIns="0" bIns="0">
-            <a:normAutofit/>
-          </a:bodyPr>
-          <a:p>
-            <a:endParaRPr b="0" lang="en-US" sz="2800" spc="-1" strike="noStrike">
-              <a:solidFill>
-                <a:srgbClr val="000000"/>
-              </a:solidFill>
-              <a:latin typeface="Calibri"/>
-            </a:endParaRPr>
-          </a:p>
-        </p:txBody>
-      </p:sp>
-      <p:sp>
-        <p:nvSpPr>
-          <p:cNvPr id="58" name="PlaceHolder 4"/>
-          <p:cNvSpPr>
-            <a:spLocks noGrp="1"/>
-          </p:cNvSpPr>
-          <p:nvPr>
-            <p:ph type="body"/>
-          </p:nvPr>
-        </p:nvSpPr>
-        <p:spPr>
-          <a:xfrm>
-            <a:off x="838080" y="4098240"/>
-            <a:ext cx="5131080" cy="2075040"/>
-          </a:xfrm>
-          <a:prstGeom prst="rect">
-            <a:avLst/>
-          </a:prstGeom>
-        </p:spPr>
-        <p:txBody>
-          <a:bodyPr lIns="0" rIns="0" tIns="0" bIns="0">
-            <a:normAutofit/>
-          </a:bodyPr>
-          <a:p>
-            <a:endParaRPr b="0" lang="en-US" sz="2800" spc="-1" strike="noStrike">
-              <a:solidFill>
-                <a:srgbClr val="000000"/>
-              </a:solidFill>
-              <a:latin typeface="Calibri"/>
+            <a:pPr algn="ctr"/>
+            <a:endParaRPr b="0" lang="en-US" sz="4400" spc="-1" strike="noStrike">
+              <a:latin typeface="Arial"/>
+            </a:endParaRPr>
+          </a:p>
+        </p:txBody>
+      </p:sp>
+      <p:sp>
+        <p:nvSpPr>
+          <p:cNvPr id="50" name="PlaceHolder 2"/>
+          <p:cNvSpPr>
+            <a:spLocks noGrp="1"/>
+          </p:cNvSpPr>
+          <p:nvPr>
+            <p:ph type="body"/>
+          </p:nvPr>
+        </p:nvSpPr>
+        <p:spPr>
+          <a:xfrm>
+            <a:off x="609480" y="1604520"/>
+            <a:ext cx="5354280" cy="1896840"/>
+          </a:xfrm>
+          <a:prstGeom prst="rect">
+            <a:avLst/>
+          </a:prstGeom>
+        </p:spPr>
+        <p:txBody>
+          <a:bodyPr lIns="0" rIns="0" tIns="0" bIns="0">
+            <a:normAutofit/>
+          </a:bodyPr>
+          <a:p>
+            <a:endParaRPr b="0" lang="en-US" sz="3200" spc="-1" strike="noStrike">
+              <a:latin typeface="Arial"/>
+            </a:endParaRPr>
+          </a:p>
+        </p:txBody>
+      </p:sp>
+      <p:sp>
+        <p:nvSpPr>
+          <p:cNvPr id="51" name="PlaceHolder 3"/>
+          <p:cNvSpPr>
+            <a:spLocks noGrp="1"/>
+          </p:cNvSpPr>
+          <p:nvPr>
+            <p:ph type="body"/>
+          </p:nvPr>
+        </p:nvSpPr>
+        <p:spPr>
+          <a:xfrm>
+            <a:off x="6231960" y="1604520"/>
+            <a:ext cx="5354280" cy="3977280"/>
+          </a:xfrm>
+          <a:prstGeom prst="rect">
+            <a:avLst/>
+          </a:prstGeom>
+        </p:spPr>
+        <p:txBody>
+          <a:bodyPr lIns="0" rIns="0" tIns="0" bIns="0">
+            <a:normAutofit/>
+          </a:bodyPr>
+          <a:p>
+            <a:endParaRPr b="0" lang="en-US" sz="3200" spc="-1" strike="noStrike">
+              <a:latin typeface="Arial"/>
+            </a:endParaRPr>
+          </a:p>
+        </p:txBody>
+      </p:sp>
+      <p:sp>
+        <p:nvSpPr>
+          <p:cNvPr id="52" name="PlaceHolder 4"/>
+          <p:cNvSpPr>
+            <a:spLocks noGrp="1"/>
+          </p:cNvSpPr>
+          <p:nvPr>
+            <p:ph type="body"/>
+          </p:nvPr>
+        </p:nvSpPr>
+        <p:spPr>
+          <a:xfrm>
+            <a:off x="609480" y="3682080"/>
+            <a:ext cx="5354280" cy="1896840"/>
+          </a:xfrm>
+          <a:prstGeom prst="rect">
+            <a:avLst/>
+          </a:prstGeom>
+        </p:spPr>
+        <p:txBody>
+          <a:bodyPr lIns="0" rIns="0" tIns="0" bIns="0">
+            <a:normAutofit/>
+          </a:bodyPr>
+          <a:p>
+            <a:endParaRPr b="0" lang="en-US" sz="3200" spc="-1" strike="noStrike">
+              <a:latin typeface="Arial"/>
             </a:endParaRPr>
           </a:p>
         </p:txBody>
@@ -1178,7 +1108,7 @@
       </p:grpSpPr>
       <p:sp>
         <p:nvSpPr>
-          <p:cNvPr id="5" name="PlaceHolder 1"/>
+          <p:cNvPr id="2" name="PlaceHolder 1"/>
           <p:cNvSpPr>
             <a:spLocks noGrp="1"/>
           </p:cNvSpPr>
@@ -1188,8 +1118,8 @@
         </p:nvSpPr>
         <p:spPr>
           <a:xfrm>
-            <a:off x="838080" y="365040"/>
-            <a:ext cx="10515240" cy="1325160"/>
+            <a:off x="609480" y="273600"/>
+            <a:ext cx="10972440" cy="1144800"/>
           </a:xfrm>
           <a:prstGeom prst="rect">
             <a:avLst/>
@@ -1198,18 +1128,16 @@
         <p:txBody>
           <a:bodyPr lIns="0" rIns="0" tIns="0" bIns="0" anchor="ctr"/>
           <a:p>
-            <a:endParaRPr b="0" lang="en-US" sz="1800" spc="-1" strike="noStrike">
-              <a:solidFill>
-                <a:srgbClr val="000000"/>
-              </a:solidFill>
-              <a:latin typeface="Calibri"/>
-            </a:endParaRPr>
-          </a:p>
-        </p:txBody>
-      </p:sp>
-      <p:sp>
-        <p:nvSpPr>
-          <p:cNvPr id="6" name="PlaceHolder 2"/>
+            <a:pPr algn="ctr"/>
+            <a:endParaRPr b="0" lang="en-US" sz="4400" spc="-1" strike="noStrike">
+              <a:latin typeface="Arial"/>
+            </a:endParaRPr>
+          </a:p>
+        </p:txBody>
+      </p:sp>
+      <p:sp>
+        <p:nvSpPr>
+          <p:cNvPr id="3" name="PlaceHolder 2"/>
           <p:cNvSpPr>
             <a:spLocks noGrp="1"/>
           </p:cNvSpPr>
@@ -1219,8 +1147,8 @@
         </p:nvSpPr>
         <p:spPr>
           <a:xfrm>
-            <a:off x="838080" y="1825560"/>
-            <a:ext cx="10515240" cy="4350960"/>
+            <a:off x="609480" y="1604520"/>
+            <a:ext cx="10972440" cy="3977280"/>
           </a:xfrm>
           <a:prstGeom prst="rect">
             <a:avLst/>
@@ -1260,7 +1188,7 @@
       </p:grpSpPr>
       <p:sp>
         <p:nvSpPr>
-          <p:cNvPr id="59" name="PlaceHolder 1"/>
+          <p:cNvPr id="53" name="PlaceHolder 1"/>
           <p:cNvSpPr>
             <a:spLocks noGrp="1"/>
           </p:cNvSpPr>
@@ -1270,8 +1198,8 @@
         </p:nvSpPr>
         <p:spPr>
           <a:xfrm>
-            <a:off x="838080" y="365040"/>
-            <a:ext cx="10515240" cy="1325160"/>
+            <a:off x="609480" y="273600"/>
+            <a:ext cx="10972440" cy="1144800"/>
           </a:xfrm>
           <a:prstGeom prst="rect">
             <a:avLst/>
@@ -1280,110 +1208,99 @@
         <p:txBody>
           <a:bodyPr lIns="0" rIns="0" tIns="0" bIns="0" anchor="ctr"/>
           <a:p>
-            <a:endParaRPr b="0" lang="en-US" sz="1800" spc="-1" strike="noStrike">
-              <a:solidFill>
-                <a:srgbClr val="000000"/>
-              </a:solidFill>
-              <a:latin typeface="Calibri"/>
-            </a:endParaRPr>
-          </a:p>
-        </p:txBody>
-      </p:sp>
-      <p:sp>
-        <p:nvSpPr>
-          <p:cNvPr id="60" name="PlaceHolder 2"/>
-          <p:cNvSpPr>
-            <a:spLocks noGrp="1"/>
-          </p:cNvSpPr>
-          <p:nvPr>
-            <p:ph type="body"/>
-          </p:nvPr>
-        </p:nvSpPr>
-        <p:spPr>
-          <a:xfrm>
-            <a:off x="838080" y="1825560"/>
-            <a:ext cx="5131080" cy="4350960"/>
-          </a:xfrm>
-          <a:prstGeom prst="rect">
-            <a:avLst/>
-          </a:prstGeom>
-        </p:spPr>
-        <p:txBody>
-          <a:bodyPr lIns="0" rIns="0" tIns="0" bIns="0">
-            <a:normAutofit/>
-          </a:bodyPr>
-          <a:p>
-            <a:endParaRPr b="0" lang="en-US" sz="2800" spc="-1" strike="noStrike">
-              <a:solidFill>
-                <a:srgbClr val="000000"/>
-              </a:solidFill>
-              <a:latin typeface="Calibri"/>
-            </a:endParaRPr>
-          </a:p>
-        </p:txBody>
-      </p:sp>
-      <p:sp>
-        <p:nvSpPr>
-          <p:cNvPr id="61" name="PlaceHolder 3"/>
-          <p:cNvSpPr>
-            <a:spLocks noGrp="1"/>
-          </p:cNvSpPr>
-          <p:nvPr>
-            <p:ph type="body"/>
-          </p:nvPr>
-        </p:nvSpPr>
-        <p:spPr>
-          <a:xfrm>
-            <a:off x="6226200" y="1825560"/>
-            <a:ext cx="5131080" cy="2075040"/>
-          </a:xfrm>
-          <a:prstGeom prst="rect">
-            <a:avLst/>
-          </a:prstGeom>
-        </p:spPr>
-        <p:txBody>
-          <a:bodyPr lIns="0" rIns="0" tIns="0" bIns="0">
-            <a:normAutofit/>
-          </a:bodyPr>
-          <a:p>
-            <a:endParaRPr b="0" lang="en-US" sz="2800" spc="-1" strike="noStrike">
-              <a:solidFill>
-                <a:srgbClr val="000000"/>
-              </a:solidFill>
-              <a:latin typeface="Calibri"/>
-            </a:endParaRPr>
-          </a:p>
-        </p:txBody>
-      </p:sp>
-      <p:sp>
-        <p:nvSpPr>
-          <p:cNvPr id="62" name="PlaceHolder 4"/>
-          <p:cNvSpPr>
-            <a:spLocks noGrp="1"/>
-          </p:cNvSpPr>
-          <p:nvPr>
-            <p:ph type="body"/>
-          </p:nvPr>
-        </p:nvSpPr>
-        <p:spPr>
-          <a:xfrm>
-            <a:off x="6226200" y="4098240"/>
-            <a:ext cx="5131080" cy="2075040"/>
-          </a:xfrm>
-          <a:prstGeom prst="rect">
-            <a:avLst/>
-          </a:prstGeom>
-        </p:spPr>
-        <p:txBody>
-          <a:bodyPr lIns="0" rIns="0" tIns="0" bIns="0">
-            <a:normAutofit/>
-          </a:bodyPr>
-          <a:p>
-            <a:endParaRPr b="0" lang="en-US" sz="2800" spc="-1" strike="noStrike">
-              <a:solidFill>
-                <a:srgbClr val="000000"/>
-              </a:solidFill>
-              <a:latin typeface="Calibri"/>
+            <a:pPr algn="ctr"/>
+            <a:endParaRPr b="0" lang="en-US" sz="4400" spc="-1" strike="noStrike">
+              <a:latin typeface="Arial"/>
+            </a:endParaRPr>
+          </a:p>
+        </p:txBody>
+      </p:sp>
+      <p:sp>
+        <p:nvSpPr>
+          <p:cNvPr id="54" name="PlaceHolder 2"/>
+          <p:cNvSpPr>
+            <a:spLocks noGrp="1"/>
+          </p:cNvSpPr>
+          <p:nvPr>
+            <p:ph type="body"/>
+          </p:nvPr>
+        </p:nvSpPr>
+        <p:spPr>
+          <a:xfrm>
+            <a:off x="609480" y="1604520"/>
+            <a:ext cx="5354280" cy="3977280"/>
+          </a:xfrm>
+          <a:prstGeom prst="rect">
+            <a:avLst/>
+          </a:prstGeom>
+        </p:spPr>
+        <p:txBody>
+          <a:bodyPr lIns="0" rIns="0" tIns="0" bIns="0">
+            <a:normAutofit/>
+          </a:bodyPr>
+          <a:p>
+            <a:endParaRPr b="0" lang="en-US" sz="3200" spc="-1" strike="noStrike">
+              <a:latin typeface="Arial"/>
+            </a:endParaRPr>
+          </a:p>
+        </p:txBody>
+      </p:sp>
+      <p:sp>
+        <p:nvSpPr>
+          <p:cNvPr id="55" name="PlaceHolder 3"/>
+          <p:cNvSpPr>
+            <a:spLocks noGrp="1"/>
+          </p:cNvSpPr>
+          <p:nvPr>
+            <p:ph type="body"/>
+          </p:nvPr>
+        </p:nvSpPr>
+        <p:spPr>
+          <a:xfrm>
+            <a:off x="6231960" y="1604520"/>
+            <a:ext cx="5354280" cy="1896840"/>
+          </a:xfrm>
+          <a:prstGeom prst="rect">
+            <a:avLst/>
+          </a:prstGeom>
+        </p:spPr>
+        <p:txBody>
+          <a:bodyPr lIns="0" rIns="0" tIns="0" bIns="0">
+            <a:normAutofit/>
+          </a:bodyPr>
+          <a:p>
+            <a:endParaRPr b="0" lang="en-US" sz="3200" spc="-1" strike="noStrike">
+              <a:latin typeface="Arial"/>
+            </a:endParaRPr>
+          </a:p>
+        </p:txBody>
+      </p:sp>
+      <p:sp>
+        <p:nvSpPr>
+          <p:cNvPr id="56" name="PlaceHolder 4"/>
+          <p:cNvSpPr>
+            <a:spLocks noGrp="1"/>
+          </p:cNvSpPr>
+          <p:nvPr>
+            <p:ph type="body"/>
+          </p:nvPr>
+        </p:nvSpPr>
+        <p:spPr>
+          <a:xfrm>
+            <a:off x="6231960" y="3682080"/>
+            <a:ext cx="5354280" cy="1896840"/>
+          </a:xfrm>
+          <a:prstGeom prst="rect">
+            <a:avLst/>
+          </a:prstGeom>
+        </p:spPr>
+        <p:txBody>
+          <a:bodyPr lIns="0" rIns="0" tIns="0" bIns="0">
+            <a:normAutofit/>
+          </a:bodyPr>
+          <a:p>
+            <a:endParaRPr b="0" lang="en-US" sz="3200" spc="-1" strike="noStrike">
+              <a:latin typeface="Arial"/>
             </a:endParaRPr>
           </a:p>
         </p:txBody>
@@ -1412,7 +1329,7 @@
       </p:grpSpPr>
       <p:sp>
         <p:nvSpPr>
-          <p:cNvPr id="63" name="PlaceHolder 1"/>
+          <p:cNvPr id="57" name="PlaceHolder 1"/>
           <p:cNvSpPr>
             <a:spLocks noGrp="1"/>
           </p:cNvSpPr>
@@ -1422,8 +1339,8 @@
         </p:nvSpPr>
         <p:spPr>
           <a:xfrm>
-            <a:off x="838080" y="365040"/>
-            <a:ext cx="10515240" cy="1325160"/>
+            <a:off x="609480" y="273600"/>
+            <a:ext cx="10972440" cy="1144800"/>
           </a:xfrm>
           <a:prstGeom prst="rect">
             <a:avLst/>
@@ -1432,110 +1349,99 @@
         <p:txBody>
           <a:bodyPr lIns="0" rIns="0" tIns="0" bIns="0" anchor="ctr"/>
           <a:p>
-            <a:endParaRPr b="0" lang="en-US" sz="1800" spc="-1" strike="noStrike">
-              <a:solidFill>
-                <a:srgbClr val="000000"/>
-              </a:solidFill>
-              <a:latin typeface="Calibri"/>
-            </a:endParaRPr>
-          </a:p>
-        </p:txBody>
-      </p:sp>
-      <p:sp>
-        <p:nvSpPr>
-          <p:cNvPr id="64" name="PlaceHolder 2"/>
-          <p:cNvSpPr>
-            <a:spLocks noGrp="1"/>
-          </p:cNvSpPr>
-          <p:nvPr>
-            <p:ph type="body"/>
-          </p:nvPr>
-        </p:nvSpPr>
-        <p:spPr>
-          <a:xfrm>
-            <a:off x="838080" y="1825560"/>
-            <a:ext cx="5131080" cy="2075040"/>
-          </a:xfrm>
-          <a:prstGeom prst="rect">
-            <a:avLst/>
-          </a:prstGeom>
-        </p:spPr>
-        <p:txBody>
-          <a:bodyPr lIns="0" rIns="0" tIns="0" bIns="0">
-            <a:normAutofit/>
-          </a:bodyPr>
-          <a:p>
-            <a:endParaRPr b="0" lang="en-US" sz="2800" spc="-1" strike="noStrike">
-              <a:solidFill>
-                <a:srgbClr val="000000"/>
-              </a:solidFill>
-              <a:latin typeface="Calibri"/>
-            </a:endParaRPr>
-          </a:p>
-        </p:txBody>
-      </p:sp>
-      <p:sp>
-        <p:nvSpPr>
-          <p:cNvPr id="65" name="PlaceHolder 3"/>
-          <p:cNvSpPr>
-            <a:spLocks noGrp="1"/>
-          </p:cNvSpPr>
-          <p:nvPr>
-            <p:ph type="body"/>
-          </p:nvPr>
-        </p:nvSpPr>
-        <p:spPr>
-          <a:xfrm>
-            <a:off x="6226200" y="1825560"/>
-            <a:ext cx="5131080" cy="2075040"/>
-          </a:xfrm>
-          <a:prstGeom prst="rect">
-            <a:avLst/>
-          </a:prstGeom>
-        </p:spPr>
-        <p:txBody>
-          <a:bodyPr lIns="0" rIns="0" tIns="0" bIns="0">
-            <a:normAutofit/>
-          </a:bodyPr>
-          <a:p>
-            <a:endParaRPr b="0" lang="en-US" sz="2800" spc="-1" strike="noStrike">
-              <a:solidFill>
-                <a:srgbClr val="000000"/>
-              </a:solidFill>
-              <a:latin typeface="Calibri"/>
-            </a:endParaRPr>
-          </a:p>
-        </p:txBody>
-      </p:sp>
-      <p:sp>
-        <p:nvSpPr>
-          <p:cNvPr id="66" name="PlaceHolder 4"/>
-          <p:cNvSpPr>
-            <a:spLocks noGrp="1"/>
-          </p:cNvSpPr>
-          <p:nvPr>
-            <p:ph type="body"/>
-          </p:nvPr>
-        </p:nvSpPr>
-        <p:spPr>
-          <a:xfrm>
-            <a:off x="838080" y="4098240"/>
-            <a:ext cx="10515240" cy="2075040"/>
-          </a:xfrm>
-          <a:prstGeom prst="rect">
-            <a:avLst/>
-          </a:prstGeom>
-        </p:spPr>
-        <p:txBody>
-          <a:bodyPr lIns="0" rIns="0" tIns="0" bIns="0">
-            <a:normAutofit/>
-          </a:bodyPr>
-          <a:p>
-            <a:endParaRPr b="0" lang="en-US" sz="2800" spc="-1" strike="noStrike">
-              <a:solidFill>
-                <a:srgbClr val="000000"/>
-              </a:solidFill>
-              <a:latin typeface="Calibri"/>
+            <a:pPr algn="ctr"/>
+            <a:endParaRPr b="0" lang="en-US" sz="4400" spc="-1" strike="noStrike">
+              <a:latin typeface="Arial"/>
+            </a:endParaRPr>
+          </a:p>
+        </p:txBody>
+      </p:sp>
+      <p:sp>
+        <p:nvSpPr>
+          <p:cNvPr id="58" name="PlaceHolder 2"/>
+          <p:cNvSpPr>
+            <a:spLocks noGrp="1"/>
+          </p:cNvSpPr>
+          <p:nvPr>
+            <p:ph type="body"/>
+          </p:nvPr>
+        </p:nvSpPr>
+        <p:spPr>
+          <a:xfrm>
+            <a:off x="609480" y="1604520"/>
+            <a:ext cx="5354280" cy="1896840"/>
+          </a:xfrm>
+          <a:prstGeom prst="rect">
+            <a:avLst/>
+          </a:prstGeom>
+        </p:spPr>
+        <p:txBody>
+          <a:bodyPr lIns="0" rIns="0" tIns="0" bIns="0">
+            <a:normAutofit/>
+          </a:bodyPr>
+          <a:p>
+            <a:endParaRPr b="0" lang="en-US" sz="3200" spc="-1" strike="noStrike">
+              <a:latin typeface="Arial"/>
+            </a:endParaRPr>
+          </a:p>
+        </p:txBody>
+      </p:sp>
+      <p:sp>
+        <p:nvSpPr>
+          <p:cNvPr id="59" name="PlaceHolder 3"/>
+          <p:cNvSpPr>
+            <a:spLocks noGrp="1"/>
+          </p:cNvSpPr>
+          <p:nvPr>
+            <p:ph type="body"/>
+          </p:nvPr>
+        </p:nvSpPr>
+        <p:spPr>
+          <a:xfrm>
+            <a:off x="6231960" y="1604520"/>
+            <a:ext cx="5354280" cy="1896840"/>
+          </a:xfrm>
+          <a:prstGeom prst="rect">
+            <a:avLst/>
+          </a:prstGeom>
+        </p:spPr>
+        <p:txBody>
+          <a:bodyPr lIns="0" rIns="0" tIns="0" bIns="0">
+            <a:normAutofit/>
+          </a:bodyPr>
+          <a:p>
+            <a:endParaRPr b="0" lang="en-US" sz="3200" spc="-1" strike="noStrike">
+              <a:latin typeface="Arial"/>
+            </a:endParaRPr>
+          </a:p>
+        </p:txBody>
+      </p:sp>
+      <p:sp>
+        <p:nvSpPr>
+          <p:cNvPr id="60" name="PlaceHolder 4"/>
+          <p:cNvSpPr>
+            <a:spLocks noGrp="1"/>
+          </p:cNvSpPr>
+          <p:nvPr>
+            <p:ph type="body"/>
+          </p:nvPr>
+        </p:nvSpPr>
+        <p:spPr>
+          <a:xfrm>
+            <a:off x="609480" y="3682080"/>
+            <a:ext cx="10972440" cy="1896840"/>
+          </a:xfrm>
+          <a:prstGeom prst="rect">
+            <a:avLst/>
+          </a:prstGeom>
+        </p:spPr>
+        <p:txBody>
+          <a:bodyPr lIns="0" rIns="0" tIns="0" bIns="0">
+            <a:normAutofit/>
+          </a:bodyPr>
+          <a:p>
+            <a:endParaRPr b="0" lang="en-US" sz="3200" spc="-1" strike="noStrike">
+              <a:latin typeface="Arial"/>
             </a:endParaRPr>
           </a:p>
         </p:txBody>
@@ -1564,7 +1470,7 @@
       </p:grpSpPr>
       <p:sp>
         <p:nvSpPr>
-          <p:cNvPr id="67" name="PlaceHolder 1"/>
+          <p:cNvPr id="61" name="PlaceHolder 1"/>
           <p:cNvSpPr>
             <a:spLocks noGrp="1"/>
           </p:cNvSpPr>
@@ -1574,8 +1480,8 @@
         </p:nvSpPr>
         <p:spPr>
           <a:xfrm>
-            <a:off x="838080" y="365040"/>
-            <a:ext cx="10515240" cy="1325160"/>
+            <a:off x="609480" y="273600"/>
+            <a:ext cx="10972440" cy="1144800"/>
           </a:xfrm>
           <a:prstGeom prst="rect">
             <a:avLst/>
@@ -1584,77 +1490,69 @@
         <p:txBody>
           <a:bodyPr lIns="0" rIns="0" tIns="0" bIns="0" anchor="ctr"/>
           <a:p>
-            <a:endParaRPr b="0" lang="en-US" sz="1800" spc="-1" strike="noStrike">
-              <a:solidFill>
-                <a:srgbClr val="000000"/>
-              </a:solidFill>
-              <a:latin typeface="Calibri"/>
-            </a:endParaRPr>
-          </a:p>
-        </p:txBody>
-      </p:sp>
-      <p:sp>
-        <p:nvSpPr>
-          <p:cNvPr id="68" name="PlaceHolder 2"/>
-          <p:cNvSpPr>
-            <a:spLocks noGrp="1"/>
-          </p:cNvSpPr>
-          <p:nvPr>
-            <p:ph type="body"/>
-          </p:nvPr>
-        </p:nvSpPr>
-        <p:spPr>
-          <a:xfrm>
-            <a:off x="838080" y="1825560"/>
-            <a:ext cx="10515240" cy="2075040"/>
-          </a:xfrm>
-          <a:prstGeom prst="rect">
-            <a:avLst/>
-          </a:prstGeom>
-        </p:spPr>
-        <p:txBody>
-          <a:bodyPr lIns="0" rIns="0" tIns="0" bIns="0">
-            <a:normAutofit/>
-          </a:bodyPr>
-          <a:p>
-            <a:endParaRPr b="0" lang="en-US" sz="2800" spc="-1" strike="noStrike">
-              <a:solidFill>
-                <a:srgbClr val="000000"/>
-              </a:solidFill>
-              <a:latin typeface="Calibri"/>
-            </a:endParaRPr>
-          </a:p>
-        </p:txBody>
-      </p:sp>
-      <p:sp>
-        <p:nvSpPr>
-          <p:cNvPr id="69" name="PlaceHolder 3"/>
-          <p:cNvSpPr>
-            <a:spLocks noGrp="1"/>
-          </p:cNvSpPr>
-          <p:nvPr>
-            <p:ph type="body"/>
-          </p:nvPr>
-        </p:nvSpPr>
-        <p:spPr>
-          <a:xfrm>
-            <a:off x="838080" y="4098240"/>
-            <a:ext cx="10515240" cy="2075040"/>
-          </a:xfrm>
-          <a:prstGeom prst="rect">
-            <a:avLst/>
-          </a:prstGeom>
-        </p:spPr>
-        <p:txBody>
-          <a:bodyPr lIns="0" rIns="0" tIns="0" bIns="0">
-            <a:normAutofit/>
-          </a:bodyPr>
-          <a:p>
-            <a:endParaRPr b="0" lang="en-US" sz="2800" spc="-1" strike="noStrike">
-              <a:solidFill>
-                <a:srgbClr val="000000"/>
-              </a:solidFill>
-              <a:latin typeface="Calibri"/>
+            <a:pPr algn="ctr"/>
+            <a:endParaRPr b="0" lang="en-US" sz="4400" spc="-1" strike="noStrike">
+              <a:latin typeface="Arial"/>
+            </a:endParaRPr>
+          </a:p>
+        </p:txBody>
+      </p:sp>
+      <p:sp>
+        <p:nvSpPr>
+          <p:cNvPr id="62" name="PlaceHolder 2"/>
+          <p:cNvSpPr>
+            <a:spLocks noGrp="1"/>
+          </p:cNvSpPr>
+          <p:nvPr>
+            <p:ph type="body"/>
+          </p:nvPr>
+        </p:nvSpPr>
+        <p:spPr>
+          <a:xfrm>
+            <a:off x="609480" y="1604520"/>
+            <a:ext cx="10972440" cy="1896840"/>
+          </a:xfrm>
+          <a:prstGeom prst="rect">
+            <a:avLst/>
+          </a:prstGeom>
+        </p:spPr>
+        <p:txBody>
+          <a:bodyPr lIns="0" rIns="0" tIns="0" bIns="0">
+            <a:normAutofit/>
+          </a:bodyPr>
+          <a:p>
+            <a:endParaRPr b="0" lang="en-US" sz="3200" spc="-1" strike="noStrike">
+              <a:latin typeface="Arial"/>
+            </a:endParaRPr>
+          </a:p>
+        </p:txBody>
+      </p:sp>
+      <p:sp>
+        <p:nvSpPr>
+          <p:cNvPr id="63" name="PlaceHolder 3"/>
+          <p:cNvSpPr>
+            <a:spLocks noGrp="1"/>
+          </p:cNvSpPr>
+          <p:nvPr>
+            <p:ph type="body"/>
+          </p:nvPr>
+        </p:nvSpPr>
+        <p:spPr>
+          <a:xfrm>
+            <a:off x="609480" y="3682080"/>
+            <a:ext cx="10972440" cy="1896840"/>
+          </a:xfrm>
+          <a:prstGeom prst="rect">
+            <a:avLst/>
+          </a:prstGeom>
+        </p:spPr>
+        <p:txBody>
+          <a:bodyPr lIns="0" rIns="0" tIns="0" bIns="0">
+            <a:normAutofit/>
+          </a:bodyPr>
+          <a:p>
+            <a:endParaRPr b="0" lang="en-US" sz="3200" spc="-1" strike="noStrike">
+              <a:latin typeface="Arial"/>
             </a:endParaRPr>
           </a:p>
         </p:txBody>
@@ -1683,7 +1581,7 @@
       </p:grpSpPr>
       <p:sp>
         <p:nvSpPr>
-          <p:cNvPr id="70" name="PlaceHolder 1"/>
+          <p:cNvPr id="64" name="PlaceHolder 1"/>
           <p:cNvSpPr>
             <a:spLocks noGrp="1"/>
           </p:cNvSpPr>
@@ -1693,8 +1591,8 @@
         </p:nvSpPr>
         <p:spPr>
           <a:xfrm>
-            <a:off x="838080" y="365040"/>
-            <a:ext cx="10515240" cy="1325160"/>
+            <a:off x="609480" y="273600"/>
+            <a:ext cx="10972440" cy="1144800"/>
           </a:xfrm>
           <a:prstGeom prst="rect">
             <a:avLst/>
@@ -1703,143 +1601,129 @@
         <p:txBody>
           <a:bodyPr lIns="0" rIns="0" tIns="0" bIns="0" anchor="ctr"/>
           <a:p>
-            <a:endParaRPr b="0" lang="en-US" sz="1800" spc="-1" strike="noStrike">
-              <a:solidFill>
-                <a:srgbClr val="000000"/>
-              </a:solidFill>
-              <a:latin typeface="Calibri"/>
-            </a:endParaRPr>
-          </a:p>
-        </p:txBody>
-      </p:sp>
-      <p:sp>
-        <p:nvSpPr>
-          <p:cNvPr id="71" name="PlaceHolder 2"/>
-          <p:cNvSpPr>
-            <a:spLocks noGrp="1"/>
-          </p:cNvSpPr>
-          <p:nvPr>
-            <p:ph type="body"/>
-          </p:nvPr>
-        </p:nvSpPr>
-        <p:spPr>
-          <a:xfrm>
-            <a:off x="838080" y="1825560"/>
-            <a:ext cx="5131080" cy="2075040"/>
-          </a:xfrm>
-          <a:prstGeom prst="rect">
-            <a:avLst/>
-          </a:prstGeom>
-        </p:spPr>
-        <p:txBody>
-          <a:bodyPr lIns="0" rIns="0" tIns="0" bIns="0">
-            <a:normAutofit/>
-          </a:bodyPr>
-          <a:p>
-            <a:endParaRPr b="0" lang="en-US" sz="2800" spc="-1" strike="noStrike">
-              <a:solidFill>
-                <a:srgbClr val="000000"/>
-              </a:solidFill>
-              <a:latin typeface="Calibri"/>
-            </a:endParaRPr>
-          </a:p>
-        </p:txBody>
-      </p:sp>
-      <p:sp>
-        <p:nvSpPr>
-          <p:cNvPr id="72" name="PlaceHolder 3"/>
-          <p:cNvSpPr>
-            <a:spLocks noGrp="1"/>
-          </p:cNvSpPr>
-          <p:nvPr>
-            <p:ph type="body"/>
-          </p:nvPr>
-        </p:nvSpPr>
-        <p:spPr>
-          <a:xfrm>
-            <a:off x="6226200" y="1825560"/>
-            <a:ext cx="5131080" cy="2075040"/>
-          </a:xfrm>
-          <a:prstGeom prst="rect">
-            <a:avLst/>
-          </a:prstGeom>
-        </p:spPr>
-        <p:txBody>
-          <a:bodyPr lIns="0" rIns="0" tIns="0" bIns="0">
-            <a:normAutofit/>
-          </a:bodyPr>
-          <a:p>
-            <a:endParaRPr b="0" lang="en-US" sz="2800" spc="-1" strike="noStrike">
-              <a:solidFill>
-                <a:srgbClr val="000000"/>
-              </a:solidFill>
-              <a:latin typeface="Calibri"/>
-            </a:endParaRPr>
-          </a:p>
-        </p:txBody>
-      </p:sp>
-      <p:sp>
-        <p:nvSpPr>
-          <p:cNvPr id="73" name="PlaceHolder 4"/>
-          <p:cNvSpPr>
-            <a:spLocks noGrp="1"/>
-          </p:cNvSpPr>
-          <p:nvPr>
-            <p:ph type="body"/>
-          </p:nvPr>
-        </p:nvSpPr>
-        <p:spPr>
-          <a:xfrm>
-            <a:off x="838080" y="4098240"/>
-            <a:ext cx="5131080" cy="2075040"/>
-          </a:xfrm>
-          <a:prstGeom prst="rect">
-            <a:avLst/>
-          </a:prstGeom>
-        </p:spPr>
-        <p:txBody>
-          <a:bodyPr lIns="0" rIns="0" tIns="0" bIns="0">
-            <a:normAutofit/>
-          </a:bodyPr>
-          <a:p>
-            <a:endParaRPr b="0" lang="en-US" sz="2800" spc="-1" strike="noStrike">
-              <a:solidFill>
-                <a:srgbClr val="000000"/>
-              </a:solidFill>
-              <a:latin typeface="Calibri"/>
-            </a:endParaRPr>
-          </a:p>
-        </p:txBody>
-      </p:sp>
-      <p:sp>
-        <p:nvSpPr>
-          <p:cNvPr id="74" name="PlaceHolder 5"/>
-          <p:cNvSpPr>
-            <a:spLocks noGrp="1"/>
-          </p:cNvSpPr>
-          <p:nvPr>
-            <p:ph type="body"/>
-          </p:nvPr>
-        </p:nvSpPr>
-        <p:spPr>
-          <a:xfrm>
-            <a:off x="6226200" y="4098240"/>
-            <a:ext cx="5131080" cy="2075040"/>
-          </a:xfrm>
-          <a:prstGeom prst="rect">
-            <a:avLst/>
-          </a:prstGeom>
-        </p:spPr>
-        <p:txBody>
-          <a:bodyPr lIns="0" rIns="0" tIns="0" bIns="0">
-            <a:normAutofit/>
-          </a:bodyPr>
-          <a:p>
-            <a:endParaRPr b="0" lang="en-US" sz="2800" spc="-1" strike="noStrike">
-              <a:solidFill>
-                <a:srgbClr val="000000"/>
-              </a:solidFill>
-              <a:latin typeface="Calibri"/>
+            <a:pPr algn="ctr"/>
+            <a:endParaRPr b="0" lang="en-US" sz="4400" spc="-1" strike="noStrike">
+              <a:latin typeface="Arial"/>
+            </a:endParaRPr>
+          </a:p>
+        </p:txBody>
+      </p:sp>
+      <p:sp>
+        <p:nvSpPr>
+          <p:cNvPr id="65" name="PlaceHolder 2"/>
+          <p:cNvSpPr>
+            <a:spLocks noGrp="1"/>
+          </p:cNvSpPr>
+          <p:nvPr>
+            <p:ph type="body"/>
+          </p:nvPr>
+        </p:nvSpPr>
+        <p:spPr>
+          <a:xfrm>
+            <a:off x="609480" y="1604520"/>
+            <a:ext cx="5354280" cy="1896840"/>
+          </a:xfrm>
+          <a:prstGeom prst="rect">
+            <a:avLst/>
+          </a:prstGeom>
+        </p:spPr>
+        <p:txBody>
+          <a:bodyPr lIns="0" rIns="0" tIns="0" bIns="0">
+            <a:normAutofit/>
+          </a:bodyPr>
+          <a:p>
+            <a:endParaRPr b="0" lang="en-US" sz="3200" spc="-1" strike="noStrike">
+              <a:latin typeface="Arial"/>
+            </a:endParaRPr>
+          </a:p>
+        </p:txBody>
+      </p:sp>
+      <p:sp>
+        <p:nvSpPr>
+          <p:cNvPr id="66" name="PlaceHolder 3"/>
+          <p:cNvSpPr>
+            <a:spLocks noGrp="1"/>
+          </p:cNvSpPr>
+          <p:nvPr>
+            <p:ph type="body"/>
+          </p:nvPr>
+        </p:nvSpPr>
+        <p:spPr>
+          <a:xfrm>
+            <a:off x="6231960" y="1604520"/>
+            <a:ext cx="5354280" cy="1896840"/>
+          </a:xfrm>
+          <a:prstGeom prst="rect">
+            <a:avLst/>
+          </a:prstGeom>
+        </p:spPr>
+        <p:txBody>
+          <a:bodyPr lIns="0" rIns="0" tIns="0" bIns="0">
+            <a:normAutofit/>
+          </a:bodyPr>
+          <a:p>
+            <a:endParaRPr b="0" lang="en-US" sz="3200" spc="-1" strike="noStrike">
+              <a:latin typeface="Arial"/>
+            </a:endParaRPr>
+          </a:p>
+        </p:txBody>
+      </p:sp>
+      <p:sp>
+        <p:nvSpPr>
+          <p:cNvPr id="67" name="PlaceHolder 4"/>
+          <p:cNvSpPr>
+            <a:spLocks noGrp="1"/>
+          </p:cNvSpPr>
+          <p:nvPr>
+            <p:ph type="body"/>
+          </p:nvPr>
+        </p:nvSpPr>
+        <p:spPr>
+          <a:xfrm>
+            <a:off x="609480" y="3682080"/>
+            <a:ext cx="5354280" cy="1896840"/>
+          </a:xfrm>
+          <a:prstGeom prst="rect">
+            <a:avLst/>
+          </a:prstGeom>
+        </p:spPr>
+        <p:txBody>
+          <a:bodyPr lIns="0" rIns="0" tIns="0" bIns="0">
+            <a:normAutofit/>
+          </a:bodyPr>
+          <a:p>
+            <a:endParaRPr b="0" lang="en-US" sz="3200" spc="-1" strike="noStrike">
+              <a:latin typeface="Arial"/>
+            </a:endParaRPr>
+          </a:p>
+        </p:txBody>
+      </p:sp>
+      <p:sp>
+        <p:nvSpPr>
+          <p:cNvPr id="68" name="PlaceHolder 5"/>
+          <p:cNvSpPr>
+            <a:spLocks noGrp="1"/>
+          </p:cNvSpPr>
+          <p:nvPr>
+            <p:ph type="body"/>
+          </p:nvPr>
+        </p:nvSpPr>
+        <p:spPr>
+          <a:xfrm>
+            <a:off x="6231960" y="3682080"/>
+            <a:ext cx="5354280" cy="1896840"/>
+          </a:xfrm>
+          <a:prstGeom prst="rect">
+            <a:avLst/>
+          </a:prstGeom>
+        </p:spPr>
+        <p:txBody>
+          <a:bodyPr lIns="0" rIns="0" tIns="0" bIns="0">
+            <a:normAutofit/>
+          </a:bodyPr>
+          <a:p>
+            <a:endParaRPr b="0" lang="en-US" sz="3200" spc="-1" strike="noStrike">
+              <a:latin typeface="Arial"/>
             </a:endParaRPr>
           </a:p>
         </p:txBody>
@@ -1868,7 +1752,7 @@
       </p:grpSpPr>
       <p:sp>
         <p:nvSpPr>
-          <p:cNvPr id="75" name="PlaceHolder 1"/>
+          <p:cNvPr id="69" name="PlaceHolder 1"/>
           <p:cNvSpPr>
             <a:spLocks noGrp="1"/>
           </p:cNvSpPr>
@@ -1878,8 +1762,8 @@
         </p:nvSpPr>
         <p:spPr>
           <a:xfrm>
-            <a:off x="838080" y="365040"/>
-            <a:ext cx="10515240" cy="1325160"/>
+            <a:off x="609480" y="273600"/>
+            <a:ext cx="10972440" cy="1144800"/>
           </a:xfrm>
           <a:prstGeom prst="rect">
             <a:avLst/>
@@ -1888,209 +1772,189 @@
         <p:txBody>
           <a:bodyPr lIns="0" rIns="0" tIns="0" bIns="0" anchor="ctr"/>
           <a:p>
-            <a:endParaRPr b="0" lang="en-US" sz="1800" spc="-1" strike="noStrike">
-              <a:solidFill>
-                <a:srgbClr val="000000"/>
-              </a:solidFill>
-              <a:latin typeface="Calibri"/>
-            </a:endParaRPr>
-          </a:p>
-        </p:txBody>
-      </p:sp>
-      <p:sp>
-        <p:nvSpPr>
-          <p:cNvPr id="76" name="PlaceHolder 2"/>
-          <p:cNvSpPr>
-            <a:spLocks noGrp="1"/>
-          </p:cNvSpPr>
-          <p:nvPr>
-            <p:ph type="body"/>
-          </p:nvPr>
-        </p:nvSpPr>
-        <p:spPr>
-          <a:xfrm>
-            <a:off x="838080" y="1825560"/>
-            <a:ext cx="3385800" cy="2075040"/>
-          </a:xfrm>
-          <a:prstGeom prst="rect">
-            <a:avLst/>
-          </a:prstGeom>
-        </p:spPr>
-        <p:txBody>
-          <a:bodyPr lIns="0" rIns="0" tIns="0" bIns="0">
-            <a:normAutofit/>
-          </a:bodyPr>
-          <a:p>
-            <a:endParaRPr b="0" lang="en-US" sz="2800" spc="-1" strike="noStrike">
-              <a:solidFill>
-                <a:srgbClr val="000000"/>
-              </a:solidFill>
-              <a:latin typeface="Calibri"/>
-            </a:endParaRPr>
-          </a:p>
-        </p:txBody>
-      </p:sp>
-      <p:sp>
-        <p:nvSpPr>
-          <p:cNvPr id="77" name="PlaceHolder 3"/>
-          <p:cNvSpPr>
-            <a:spLocks noGrp="1"/>
-          </p:cNvSpPr>
-          <p:nvPr>
-            <p:ph type="body"/>
-          </p:nvPr>
-        </p:nvSpPr>
-        <p:spPr>
-          <a:xfrm>
-            <a:off x="4393440" y="1825560"/>
-            <a:ext cx="3385800" cy="2075040"/>
-          </a:xfrm>
-          <a:prstGeom prst="rect">
-            <a:avLst/>
-          </a:prstGeom>
-        </p:spPr>
-        <p:txBody>
-          <a:bodyPr lIns="0" rIns="0" tIns="0" bIns="0">
-            <a:normAutofit/>
-          </a:bodyPr>
-          <a:p>
-            <a:endParaRPr b="0" lang="en-US" sz="2800" spc="-1" strike="noStrike">
-              <a:solidFill>
-                <a:srgbClr val="000000"/>
-              </a:solidFill>
-              <a:latin typeface="Calibri"/>
-            </a:endParaRPr>
-          </a:p>
-        </p:txBody>
-      </p:sp>
-      <p:sp>
-        <p:nvSpPr>
-          <p:cNvPr id="78" name="PlaceHolder 4"/>
-          <p:cNvSpPr>
-            <a:spLocks noGrp="1"/>
-          </p:cNvSpPr>
-          <p:nvPr>
-            <p:ph type="body"/>
-          </p:nvPr>
-        </p:nvSpPr>
-        <p:spPr>
-          <a:xfrm>
-            <a:off x="7949160" y="1825560"/>
-            <a:ext cx="3385800" cy="2075040"/>
-          </a:xfrm>
-          <a:prstGeom prst="rect">
-            <a:avLst/>
-          </a:prstGeom>
-        </p:spPr>
-        <p:txBody>
-          <a:bodyPr lIns="0" rIns="0" tIns="0" bIns="0">
-            <a:normAutofit/>
-          </a:bodyPr>
-          <a:p>
-            <a:endParaRPr b="0" lang="en-US" sz="2800" spc="-1" strike="noStrike">
-              <a:solidFill>
-                <a:srgbClr val="000000"/>
-              </a:solidFill>
-              <a:latin typeface="Calibri"/>
-            </a:endParaRPr>
-          </a:p>
-        </p:txBody>
-      </p:sp>
-      <p:sp>
-        <p:nvSpPr>
-          <p:cNvPr id="79" name="PlaceHolder 5"/>
-          <p:cNvSpPr>
-            <a:spLocks noGrp="1"/>
-          </p:cNvSpPr>
-          <p:nvPr>
-            <p:ph type="body"/>
-          </p:nvPr>
-        </p:nvSpPr>
-        <p:spPr>
-          <a:xfrm>
-            <a:off x="838080" y="4098240"/>
-            <a:ext cx="3385800" cy="2075040"/>
-          </a:xfrm>
-          <a:prstGeom prst="rect">
-            <a:avLst/>
-          </a:prstGeom>
-        </p:spPr>
-        <p:txBody>
-          <a:bodyPr lIns="0" rIns="0" tIns="0" bIns="0">
-            <a:normAutofit/>
-          </a:bodyPr>
-          <a:p>
-            <a:endParaRPr b="0" lang="en-US" sz="2800" spc="-1" strike="noStrike">
-              <a:solidFill>
-                <a:srgbClr val="000000"/>
-              </a:solidFill>
-              <a:latin typeface="Calibri"/>
-            </a:endParaRPr>
-          </a:p>
-        </p:txBody>
-      </p:sp>
-      <p:sp>
-        <p:nvSpPr>
-          <p:cNvPr id="80" name="PlaceHolder 6"/>
-          <p:cNvSpPr>
-            <a:spLocks noGrp="1"/>
-          </p:cNvSpPr>
-          <p:nvPr>
-            <p:ph type="body"/>
-          </p:nvPr>
-        </p:nvSpPr>
-        <p:spPr>
-          <a:xfrm>
-            <a:off x="4393440" y="4098240"/>
-            <a:ext cx="3385800" cy="2075040"/>
-          </a:xfrm>
-          <a:prstGeom prst="rect">
-            <a:avLst/>
-          </a:prstGeom>
-        </p:spPr>
-        <p:txBody>
-          <a:bodyPr lIns="0" rIns="0" tIns="0" bIns="0">
-            <a:normAutofit/>
-          </a:bodyPr>
-          <a:p>
-            <a:endParaRPr b="0" lang="en-US" sz="2800" spc="-1" strike="noStrike">
-              <a:solidFill>
-                <a:srgbClr val="000000"/>
-              </a:solidFill>
-              <a:latin typeface="Calibri"/>
-            </a:endParaRPr>
-          </a:p>
-        </p:txBody>
-      </p:sp>
-      <p:sp>
-        <p:nvSpPr>
-          <p:cNvPr id="81" name="PlaceHolder 7"/>
-          <p:cNvSpPr>
-            <a:spLocks noGrp="1"/>
-          </p:cNvSpPr>
-          <p:nvPr>
-            <p:ph type="body"/>
-          </p:nvPr>
-        </p:nvSpPr>
-        <p:spPr>
-          <a:xfrm>
-            <a:off x="7949160" y="4098240"/>
-            <a:ext cx="3385800" cy="2075040"/>
-          </a:xfrm>
-          <a:prstGeom prst="rect">
-            <a:avLst/>
-          </a:prstGeom>
-        </p:spPr>
-        <p:txBody>
-          <a:bodyPr lIns="0" rIns="0" tIns="0" bIns="0">
-            <a:normAutofit/>
-          </a:bodyPr>
-          <a:p>
-            <a:endParaRPr b="0" lang="en-US" sz="2800" spc="-1" strike="noStrike">
-              <a:solidFill>
-                <a:srgbClr val="000000"/>
-              </a:solidFill>
-              <a:latin typeface="Calibri"/>
+            <a:pPr algn="ctr"/>
+            <a:endParaRPr b="0" lang="en-US" sz="4400" spc="-1" strike="noStrike">
+              <a:latin typeface="Arial"/>
+            </a:endParaRPr>
+          </a:p>
+        </p:txBody>
+      </p:sp>
+      <p:sp>
+        <p:nvSpPr>
+          <p:cNvPr id="70" name="PlaceHolder 2"/>
+          <p:cNvSpPr>
+            <a:spLocks noGrp="1"/>
+          </p:cNvSpPr>
+          <p:nvPr>
+            <p:ph type="body"/>
+          </p:nvPr>
+        </p:nvSpPr>
+        <p:spPr>
+          <a:xfrm>
+            <a:off x="609480" y="1604520"/>
+            <a:ext cx="3533040" cy="1896840"/>
+          </a:xfrm>
+          <a:prstGeom prst="rect">
+            <a:avLst/>
+          </a:prstGeom>
+        </p:spPr>
+        <p:txBody>
+          <a:bodyPr lIns="0" rIns="0" tIns="0" bIns="0">
+            <a:normAutofit/>
+          </a:bodyPr>
+          <a:p>
+            <a:endParaRPr b="0" lang="en-US" sz="3200" spc="-1" strike="noStrike">
+              <a:latin typeface="Arial"/>
+            </a:endParaRPr>
+          </a:p>
+        </p:txBody>
+      </p:sp>
+      <p:sp>
+        <p:nvSpPr>
+          <p:cNvPr id="71" name="PlaceHolder 3"/>
+          <p:cNvSpPr>
+            <a:spLocks noGrp="1"/>
+          </p:cNvSpPr>
+          <p:nvPr>
+            <p:ph type="body"/>
+          </p:nvPr>
+        </p:nvSpPr>
+        <p:spPr>
+          <a:xfrm>
+            <a:off x="4319640" y="1604520"/>
+            <a:ext cx="3533040" cy="1896840"/>
+          </a:xfrm>
+          <a:prstGeom prst="rect">
+            <a:avLst/>
+          </a:prstGeom>
+        </p:spPr>
+        <p:txBody>
+          <a:bodyPr lIns="0" rIns="0" tIns="0" bIns="0">
+            <a:normAutofit/>
+          </a:bodyPr>
+          <a:p>
+            <a:endParaRPr b="0" lang="en-US" sz="3200" spc="-1" strike="noStrike">
+              <a:latin typeface="Arial"/>
+            </a:endParaRPr>
+          </a:p>
+        </p:txBody>
+      </p:sp>
+      <p:sp>
+        <p:nvSpPr>
+          <p:cNvPr id="72" name="PlaceHolder 4"/>
+          <p:cNvSpPr>
+            <a:spLocks noGrp="1"/>
+          </p:cNvSpPr>
+          <p:nvPr>
+            <p:ph type="body"/>
+          </p:nvPr>
+        </p:nvSpPr>
+        <p:spPr>
+          <a:xfrm>
+            <a:off x="8029800" y="1604520"/>
+            <a:ext cx="3533040" cy="1896840"/>
+          </a:xfrm>
+          <a:prstGeom prst="rect">
+            <a:avLst/>
+          </a:prstGeom>
+        </p:spPr>
+        <p:txBody>
+          <a:bodyPr lIns="0" rIns="0" tIns="0" bIns="0">
+            <a:normAutofit/>
+          </a:bodyPr>
+          <a:p>
+            <a:endParaRPr b="0" lang="en-US" sz="3200" spc="-1" strike="noStrike">
+              <a:latin typeface="Arial"/>
+            </a:endParaRPr>
+          </a:p>
+        </p:txBody>
+      </p:sp>
+      <p:sp>
+        <p:nvSpPr>
+          <p:cNvPr id="73" name="PlaceHolder 5"/>
+          <p:cNvSpPr>
+            <a:spLocks noGrp="1"/>
+          </p:cNvSpPr>
+          <p:nvPr>
+            <p:ph type="body"/>
+          </p:nvPr>
+        </p:nvSpPr>
+        <p:spPr>
+          <a:xfrm>
+            <a:off x="609480" y="3682080"/>
+            <a:ext cx="3533040" cy="1896840"/>
+          </a:xfrm>
+          <a:prstGeom prst="rect">
+            <a:avLst/>
+          </a:prstGeom>
+        </p:spPr>
+        <p:txBody>
+          <a:bodyPr lIns="0" rIns="0" tIns="0" bIns="0">
+            <a:normAutofit/>
+          </a:bodyPr>
+          <a:p>
+            <a:endParaRPr b="0" lang="en-US" sz="3200" spc="-1" strike="noStrike">
+              <a:latin typeface="Arial"/>
+            </a:endParaRPr>
+          </a:p>
+        </p:txBody>
+      </p:sp>
+      <p:sp>
+        <p:nvSpPr>
+          <p:cNvPr id="74" name="PlaceHolder 6"/>
+          <p:cNvSpPr>
+            <a:spLocks noGrp="1"/>
+          </p:cNvSpPr>
+          <p:nvPr>
+            <p:ph type="body"/>
+          </p:nvPr>
+        </p:nvSpPr>
+        <p:spPr>
+          <a:xfrm>
+            <a:off x="4319640" y="3682080"/>
+            <a:ext cx="3533040" cy="1896840"/>
+          </a:xfrm>
+          <a:prstGeom prst="rect">
+            <a:avLst/>
+          </a:prstGeom>
+        </p:spPr>
+        <p:txBody>
+          <a:bodyPr lIns="0" rIns="0" tIns="0" bIns="0">
+            <a:normAutofit/>
+          </a:bodyPr>
+          <a:p>
+            <a:endParaRPr b="0" lang="en-US" sz="3200" spc="-1" strike="noStrike">
+              <a:latin typeface="Arial"/>
+            </a:endParaRPr>
+          </a:p>
+        </p:txBody>
+      </p:sp>
+      <p:sp>
+        <p:nvSpPr>
+          <p:cNvPr id="75" name="PlaceHolder 7"/>
+          <p:cNvSpPr>
+            <a:spLocks noGrp="1"/>
+          </p:cNvSpPr>
+          <p:nvPr>
+            <p:ph type="body"/>
+          </p:nvPr>
+        </p:nvSpPr>
+        <p:spPr>
+          <a:xfrm>
+            <a:off x="8029800" y="3682080"/>
+            <a:ext cx="3533040" cy="1896840"/>
+          </a:xfrm>
+          <a:prstGeom prst="rect">
+            <a:avLst/>
+          </a:prstGeom>
+        </p:spPr>
+        <p:txBody>
+          <a:bodyPr lIns="0" rIns="0" tIns="0" bIns="0">
+            <a:normAutofit/>
+          </a:bodyPr>
+          <a:p>
+            <a:endParaRPr b="0" lang="en-US" sz="3200" spc="-1" strike="noStrike">
+              <a:latin typeface="Arial"/>
             </a:endParaRPr>
           </a:p>
         </p:txBody>
@@ -2119,7 +1983,7 @@
       </p:grpSpPr>
       <p:sp>
         <p:nvSpPr>
-          <p:cNvPr id="7" name="PlaceHolder 1"/>
+          <p:cNvPr id="4" name="PlaceHolder 1"/>
           <p:cNvSpPr>
             <a:spLocks noGrp="1"/>
           </p:cNvSpPr>
@@ -2129,8 +1993,8 @@
         </p:nvSpPr>
         <p:spPr>
           <a:xfrm>
-            <a:off x="838080" y="365040"/>
-            <a:ext cx="10515240" cy="1325160"/>
+            <a:off x="609480" y="273600"/>
+            <a:ext cx="10972440" cy="1144800"/>
           </a:xfrm>
           <a:prstGeom prst="rect">
             <a:avLst/>
@@ -2139,44 +2003,39 @@
         <p:txBody>
           <a:bodyPr lIns="0" rIns="0" tIns="0" bIns="0" anchor="ctr"/>
           <a:p>
-            <a:endParaRPr b="0" lang="en-US" sz="1800" spc="-1" strike="noStrike">
-              <a:solidFill>
-                <a:srgbClr val="000000"/>
-              </a:solidFill>
-              <a:latin typeface="Calibri"/>
-            </a:endParaRPr>
-          </a:p>
-        </p:txBody>
-      </p:sp>
-      <p:sp>
-        <p:nvSpPr>
-          <p:cNvPr id="8" name="PlaceHolder 2"/>
-          <p:cNvSpPr>
-            <a:spLocks noGrp="1"/>
-          </p:cNvSpPr>
-          <p:nvPr>
-            <p:ph type="body"/>
-          </p:nvPr>
-        </p:nvSpPr>
-        <p:spPr>
-          <a:xfrm>
-            <a:off x="838080" y="1825560"/>
-            <a:ext cx="10515240" cy="4350960"/>
-          </a:xfrm>
-          <a:prstGeom prst="rect">
-            <a:avLst/>
-          </a:prstGeom>
-        </p:spPr>
-        <p:txBody>
-          <a:bodyPr lIns="0" rIns="0" tIns="0" bIns="0">
-            <a:normAutofit/>
-          </a:bodyPr>
-          <a:p>
-            <a:endParaRPr b="0" lang="en-US" sz="2800" spc="-1" strike="noStrike">
-              <a:solidFill>
-                <a:srgbClr val="000000"/>
-              </a:solidFill>
-              <a:latin typeface="Calibri"/>
+            <a:pPr algn="ctr"/>
+            <a:endParaRPr b="0" lang="en-US" sz="4400" spc="-1" strike="noStrike">
+              <a:latin typeface="Arial"/>
+            </a:endParaRPr>
+          </a:p>
+        </p:txBody>
+      </p:sp>
+      <p:sp>
+        <p:nvSpPr>
+          <p:cNvPr id="5" name="PlaceHolder 2"/>
+          <p:cNvSpPr>
+            <a:spLocks noGrp="1"/>
+          </p:cNvSpPr>
+          <p:nvPr>
+            <p:ph type="body"/>
+          </p:nvPr>
+        </p:nvSpPr>
+        <p:spPr>
+          <a:xfrm>
+            <a:off x="609480" y="1604520"/>
+            <a:ext cx="10972440" cy="3977280"/>
+          </a:xfrm>
+          <a:prstGeom prst="rect">
+            <a:avLst/>
+          </a:prstGeom>
+        </p:spPr>
+        <p:txBody>
+          <a:bodyPr lIns="0" rIns="0" tIns="0" bIns="0">
+            <a:normAutofit/>
+          </a:bodyPr>
+          <a:p>
+            <a:endParaRPr b="0" lang="en-US" sz="3200" spc="-1" strike="noStrike">
+              <a:latin typeface="Arial"/>
             </a:endParaRPr>
           </a:p>
         </p:txBody>
@@ -2205,7 +2064,7 @@
       </p:grpSpPr>
       <p:sp>
         <p:nvSpPr>
-          <p:cNvPr id="9" name="PlaceHolder 1"/>
+          <p:cNvPr id="6" name="PlaceHolder 1"/>
           <p:cNvSpPr>
             <a:spLocks noGrp="1"/>
           </p:cNvSpPr>
@@ -2215,8 +2074,8 @@
         </p:nvSpPr>
         <p:spPr>
           <a:xfrm>
-            <a:off x="838080" y="365040"/>
-            <a:ext cx="10515240" cy="1325160"/>
+            <a:off x="609480" y="273600"/>
+            <a:ext cx="10972440" cy="1144800"/>
           </a:xfrm>
           <a:prstGeom prst="rect">
             <a:avLst/>
@@ -2225,77 +2084,69 @@
         <p:txBody>
           <a:bodyPr lIns="0" rIns="0" tIns="0" bIns="0" anchor="ctr"/>
           <a:p>
-            <a:endParaRPr b="0" lang="en-US" sz="1800" spc="-1" strike="noStrike">
-              <a:solidFill>
-                <a:srgbClr val="000000"/>
-              </a:solidFill>
-              <a:latin typeface="Calibri"/>
-            </a:endParaRPr>
-          </a:p>
-        </p:txBody>
-      </p:sp>
-      <p:sp>
-        <p:nvSpPr>
-          <p:cNvPr id="10" name="PlaceHolder 2"/>
-          <p:cNvSpPr>
-            <a:spLocks noGrp="1"/>
-          </p:cNvSpPr>
-          <p:nvPr>
-            <p:ph type="body"/>
-          </p:nvPr>
-        </p:nvSpPr>
-        <p:spPr>
-          <a:xfrm>
-            <a:off x="838080" y="1825560"/>
-            <a:ext cx="5131080" cy="4350960"/>
-          </a:xfrm>
-          <a:prstGeom prst="rect">
-            <a:avLst/>
-          </a:prstGeom>
-        </p:spPr>
-        <p:txBody>
-          <a:bodyPr lIns="0" rIns="0" tIns="0" bIns="0">
-            <a:normAutofit/>
-          </a:bodyPr>
-          <a:p>
-            <a:endParaRPr b="0" lang="en-US" sz="2800" spc="-1" strike="noStrike">
-              <a:solidFill>
-                <a:srgbClr val="000000"/>
-              </a:solidFill>
-              <a:latin typeface="Calibri"/>
-            </a:endParaRPr>
-          </a:p>
-        </p:txBody>
-      </p:sp>
-      <p:sp>
-        <p:nvSpPr>
-          <p:cNvPr id="11" name="PlaceHolder 3"/>
-          <p:cNvSpPr>
-            <a:spLocks noGrp="1"/>
-          </p:cNvSpPr>
-          <p:nvPr>
-            <p:ph type="body"/>
-          </p:nvPr>
-        </p:nvSpPr>
-        <p:spPr>
-          <a:xfrm>
-            <a:off x="6226200" y="1825560"/>
-            <a:ext cx="5131080" cy="4350960"/>
-          </a:xfrm>
-          <a:prstGeom prst="rect">
-            <a:avLst/>
-          </a:prstGeom>
-        </p:spPr>
-        <p:txBody>
-          <a:bodyPr lIns="0" rIns="0" tIns="0" bIns="0">
-            <a:normAutofit/>
-          </a:bodyPr>
-          <a:p>
-            <a:endParaRPr b="0" lang="en-US" sz="2800" spc="-1" strike="noStrike">
-              <a:solidFill>
-                <a:srgbClr val="000000"/>
-              </a:solidFill>
-              <a:latin typeface="Calibri"/>
+            <a:pPr algn="ctr"/>
+            <a:endParaRPr b="0" lang="en-US" sz="4400" spc="-1" strike="noStrike">
+              <a:latin typeface="Arial"/>
+            </a:endParaRPr>
+          </a:p>
+        </p:txBody>
+      </p:sp>
+      <p:sp>
+        <p:nvSpPr>
+          <p:cNvPr id="7" name="PlaceHolder 2"/>
+          <p:cNvSpPr>
+            <a:spLocks noGrp="1"/>
+          </p:cNvSpPr>
+          <p:nvPr>
+            <p:ph type="body"/>
+          </p:nvPr>
+        </p:nvSpPr>
+        <p:spPr>
+          <a:xfrm>
+            <a:off x="609480" y="1604520"/>
+            <a:ext cx="5354280" cy="3977280"/>
+          </a:xfrm>
+          <a:prstGeom prst="rect">
+            <a:avLst/>
+          </a:prstGeom>
+        </p:spPr>
+        <p:txBody>
+          <a:bodyPr lIns="0" rIns="0" tIns="0" bIns="0">
+            <a:normAutofit/>
+          </a:bodyPr>
+          <a:p>
+            <a:endParaRPr b="0" lang="en-US" sz="3200" spc="-1" strike="noStrike">
+              <a:latin typeface="Arial"/>
+            </a:endParaRPr>
+          </a:p>
+        </p:txBody>
+      </p:sp>
+      <p:sp>
+        <p:nvSpPr>
+          <p:cNvPr id="8" name="PlaceHolder 3"/>
+          <p:cNvSpPr>
+            <a:spLocks noGrp="1"/>
+          </p:cNvSpPr>
+          <p:nvPr>
+            <p:ph type="body"/>
+          </p:nvPr>
+        </p:nvSpPr>
+        <p:spPr>
+          <a:xfrm>
+            <a:off x="6231960" y="1604520"/>
+            <a:ext cx="5354280" cy="3977280"/>
+          </a:xfrm>
+          <a:prstGeom prst="rect">
+            <a:avLst/>
+          </a:prstGeom>
+        </p:spPr>
+        <p:txBody>
+          <a:bodyPr lIns="0" rIns="0" tIns="0" bIns="0">
+            <a:normAutofit/>
+          </a:bodyPr>
+          <a:p>
+            <a:endParaRPr b="0" lang="en-US" sz="3200" spc="-1" strike="noStrike">
+              <a:latin typeface="Arial"/>
             </a:endParaRPr>
           </a:p>
         </p:txBody>
@@ -2324,7 +2175,7 @@
       </p:grpSpPr>
       <p:sp>
         <p:nvSpPr>
-          <p:cNvPr id="12" name="PlaceHolder 1"/>
+          <p:cNvPr id="9" name="PlaceHolder 1"/>
           <p:cNvSpPr>
             <a:spLocks noGrp="1"/>
           </p:cNvSpPr>
@@ -2334,8 +2185,8 @@
         </p:nvSpPr>
         <p:spPr>
           <a:xfrm>
-            <a:off x="838080" y="365040"/>
-            <a:ext cx="10515240" cy="1325160"/>
+            <a:off x="609480" y="273600"/>
+            <a:ext cx="10972440" cy="1144800"/>
           </a:xfrm>
           <a:prstGeom prst="rect">
             <a:avLst/>
@@ -2344,11 +2195,9 @@
         <p:txBody>
           <a:bodyPr lIns="0" rIns="0" tIns="0" bIns="0" anchor="ctr"/>
           <a:p>
-            <a:endParaRPr b="0" lang="en-US" sz="1800" spc="-1" strike="noStrike">
-              <a:solidFill>
-                <a:srgbClr val="000000"/>
-              </a:solidFill>
-              <a:latin typeface="Calibri"/>
+            <a:pPr algn="ctr"/>
+            <a:endParaRPr b="0" lang="en-US" sz="4400" spc="-1" strike="noStrike">
+              <a:latin typeface="Arial"/>
             </a:endParaRPr>
           </a:p>
         </p:txBody>
@@ -2377,7 +2226,7 @@
       </p:grpSpPr>
       <p:sp>
         <p:nvSpPr>
-          <p:cNvPr id="13" name="PlaceHolder 1"/>
+          <p:cNvPr id="10" name="PlaceHolder 1"/>
           <p:cNvSpPr>
             <a:spLocks noGrp="1"/>
           </p:cNvSpPr>
@@ -2387,8 +2236,8 @@
         </p:nvSpPr>
         <p:spPr>
           <a:xfrm>
-            <a:off x="838080" y="365040"/>
-            <a:ext cx="10515240" cy="6144120"/>
+            <a:off x="609480" y="273600"/>
+            <a:ext cx="10972440" cy="5307840"/>
           </a:xfrm>
           <a:prstGeom prst="rect">
             <a:avLst/>
@@ -2428,7 +2277,7 @@
       </p:grpSpPr>
       <p:sp>
         <p:nvSpPr>
-          <p:cNvPr id="14" name="PlaceHolder 1"/>
+          <p:cNvPr id="11" name="PlaceHolder 1"/>
           <p:cNvSpPr>
             <a:spLocks noGrp="1"/>
           </p:cNvSpPr>
@@ -2438,8 +2287,8 @@
         </p:nvSpPr>
         <p:spPr>
           <a:xfrm>
-            <a:off x="838080" y="365040"/>
-            <a:ext cx="10515240" cy="1325160"/>
+            <a:off x="609480" y="273600"/>
+            <a:ext cx="10972440" cy="1144800"/>
           </a:xfrm>
           <a:prstGeom prst="rect">
             <a:avLst/>
@@ -2448,110 +2297,99 @@
         <p:txBody>
           <a:bodyPr lIns="0" rIns="0" tIns="0" bIns="0" anchor="ctr"/>
           <a:p>
-            <a:endParaRPr b="0" lang="en-US" sz="1800" spc="-1" strike="noStrike">
-              <a:solidFill>
-                <a:srgbClr val="000000"/>
-              </a:solidFill>
-              <a:latin typeface="Calibri"/>
-            </a:endParaRPr>
-          </a:p>
-        </p:txBody>
-      </p:sp>
-      <p:sp>
-        <p:nvSpPr>
-          <p:cNvPr id="15" name="PlaceHolder 2"/>
-          <p:cNvSpPr>
-            <a:spLocks noGrp="1"/>
-          </p:cNvSpPr>
-          <p:nvPr>
-            <p:ph type="body"/>
-          </p:nvPr>
-        </p:nvSpPr>
-        <p:spPr>
-          <a:xfrm>
-            <a:off x="838080" y="1825560"/>
-            <a:ext cx="5131080" cy="2075040"/>
-          </a:xfrm>
-          <a:prstGeom prst="rect">
-            <a:avLst/>
-          </a:prstGeom>
-        </p:spPr>
-        <p:txBody>
-          <a:bodyPr lIns="0" rIns="0" tIns="0" bIns="0">
-            <a:normAutofit/>
-          </a:bodyPr>
-          <a:p>
-            <a:endParaRPr b="0" lang="en-US" sz="2800" spc="-1" strike="noStrike">
-              <a:solidFill>
-                <a:srgbClr val="000000"/>
-              </a:solidFill>
-              <a:latin typeface="Calibri"/>
-            </a:endParaRPr>
-          </a:p>
-        </p:txBody>
-      </p:sp>
-      <p:sp>
-        <p:nvSpPr>
-          <p:cNvPr id="16" name="PlaceHolder 3"/>
-          <p:cNvSpPr>
-            <a:spLocks noGrp="1"/>
-          </p:cNvSpPr>
-          <p:nvPr>
-            <p:ph type="body"/>
-          </p:nvPr>
-        </p:nvSpPr>
-        <p:spPr>
-          <a:xfrm>
-            <a:off x="6226200" y="1825560"/>
-            <a:ext cx="5131080" cy="4350960"/>
-          </a:xfrm>
-          <a:prstGeom prst="rect">
-            <a:avLst/>
-          </a:prstGeom>
-        </p:spPr>
-        <p:txBody>
-          <a:bodyPr lIns="0" rIns="0" tIns="0" bIns="0">
-            <a:normAutofit/>
-          </a:bodyPr>
-          <a:p>
-            <a:endParaRPr b="0" lang="en-US" sz="2800" spc="-1" strike="noStrike">
-              <a:solidFill>
-                <a:srgbClr val="000000"/>
-              </a:solidFill>
-              <a:latin typeface="Calibri"/>
-            </a:endParaRPr>
-          </a:p>
-        </p:txBody>
-      </p:sp>
-      <p:sp>
-        <p:nvSpPr>
-          <p:cNvPr id="17" name="PlaceHolder 4"/>
-          <p:cNvSpPr>
-            <a:spLocks noGrp="1"/>
-          </p:cNvSpPr>
-          <p:nvPr>
-            <p:ph type="body"/>
-          </p:nvPr>
-        </p:nvSpPr>
-        <p:spPr>
-          <a:xfrm>
-            <a:off x="838080" y="4098240"/>
-            <a:ext cx="5131080" cy="2075040"/>
-          </a:xfrm>
-          <a:prstGeom prst="rect">
-            <a:avLst/>
-          </a:prstGeom>
-        </p:spPr>
-        <p:txBody>
-          <a:bodyPr lIns="0" rIns="0" tIns="0" bIns="0">
-            <a:normAutofit/>
-          </a:bodyPr>
-          <a:p>
-            <a:endParaRPr b="0" lang="en-US" sz="2800" spc="-1" strike="noStrike">
-              <a:solidFill>
-                <a:srgbClr val="000000"/>
-              </a:solidFill>
-              <a:latin typeface="Calibri"/>
+            <a:pPr algn="ctr"/>
+            <a:endParaRPr b="0" lang="en-US" sz="4400" spc="-1" strike="noStrike">
+              <a:latin typeface="Arial"/>
+            </a:endParaRPr>
+          </a:p>
+        </p:txBody>
+      </p:sp>
+      <p:sp>
+        <p:nvSpPr>
+          <p:cNvPr id="12" name="PlaceHolder 2"/>
+          <p:cNvSpPr>
+            <a:spLocks noGrp="1"/>
+          </p:cNvSpPr>
+          <p:nvPr>
+            <p:ph type="body"/>
+          </p:nvPr>
+        </p:nvSpPr>
+        <p:spPr>
+          <a:xfrm>
+            <a:off x="609480" y="1604520"/>
+            <a:ext cx="5354280" cy="1896840"/>
+          </a:xfrm>
+          <a:prstGeom prst="rect">
+            <a:avLst/>
+          </a:prstGeom>
+        </p:spPr>
+        <p:txBody>
+          <a:bodyPr lIns="0" rIns="0" tIns="0" bIns="0">
+            <a:normAutofit/>
+          </a:bodyPr>
+          <a:p>
+            <a:endParaRPr b="0" lang="en-US" sz="3200" spc="-1" strike="noStrike">
+              <a:latin typeface="Arial"/>
+            </a:endParaRPr>
+          </a:p>
+        </p:txBody>
+      </p:sp>
+      <p:sp>
+        <p:nvSpPr>
+          <p:cNvPr id="13" name="PlaceHolder 3"/>
+          <p:cNvSpPr>
+            <a:spLocks noGrp="1"/>
+          </p:cNvSpPr>
+          <p:nvPr>
+            <p:ph type="body"/>
+          </p:nvPr>
+        </p:nvSpPr>
+        <p:spPr>
+          <a:xfrm>
+            <a:off x="6231960" y="1604520"/>
+            <a:ext cx="5354280" cy="3977280"/>
+          </a:xfrm>
+          <a:prstGeom prst="rect">
+            <a:avLst/>
+          </a:prstGeom>
+        </p:spPr>
+        <p:txBody>
+          <a:bodyPr lIns="0" rIns="0" tIns="0" bIns="0">
+            <a:normAutofit/>
+          </a:bodyPr>
+          <a:p>
+            <a:endParaRPr b="0" lang="en-US" sz="3200" spc="-1" strike="noStrike">
+              <a:latin typeface="Arial"/>
+            </a:endParaRPr>
+          </a:p>
+        </p:txBody>
+      </p:sp>
+      <p:sp>
+        <p:nvSpPr>
+          <p:cNvPr id="14" name="PlaceHolder 4"/>
+          <p:cNvSpPr>
+            <a:spLocks noGrp="1"/>
+          </p:cNvSpPr>
+          <p:nvPr>
+            <p:ph type="body"/>
+          </p:nvPr>
+        </p:nvSpPr>
+        <p:spPr>
+          <a:xfrm>
+            <a:off x="609480" y="3682080"/>
+            <a:ext cx="5354280" cy="1896840"/>
+          </a:xfrm>
+          <a:prstGeom prst="rect">
+            <a:avLst/>
+          </a:prstGeom>
+        </p:spPr>
+        <p:txBody>
+          <a:bodyPr lIns="0" rIns="0" tIns="0" bIns="0">
+            <a:normAutofit/>
+          </a:bodyPr>
+          <a:p>
+            <a:endParaRPr b="0" lang="en-US" sz="3200" spc="-1" strike="noStrike">
+              <a:latin typeface="Arial"/>
             </a:endParaRPr>
           </a:p>
         </p:txBody>
@@ -2580,7 +2418,7 @@
       </p:grpSpPr>
       <p:sp>
         <p:nvSpPr>
-          <p:cNvPr id="18" name="PlaceHolder 1"/>
+          <p:cNvPr id="15" name="PlaceHolder 1"/>
           <p:cNvSpPr>
             <a:spLocks noGrp="1"/>
           </p:cNvSpPr>
@@ -2590,8 +2428,8 @@
         </p:nvSpPr>
         <p:spPr>
           <a:xfrm>
-            <a:off x="838080" y="365040"/>
-            <a:ext cx="10515240" cy="1325160"/>
+            <a:off x="609480" y="273600"/>
+            <a:ext cx="10972440" cy="1144800"/>
           </a:xfrm>
           <a:prstGeom prst="rect">
             <a:avLst/>
@@ -2600,110 +2438,99 @@
         <p:txBody>
           <a:bodyPr lIns="0" rIns="0" tIns="0" bIns="0" anchor="ctr"/>
           <a:p>
-            <a:endParaRPr b="0" lang="en-US" sz="1800" spc="-1" strike="noStrike">
-              <a:solidFill>
-                <a:srgbClr val="000000"/>
-              </a:solidFill>
-              <a:latin typeface="Calibri"/>
-            </a:endParaRPr>
-          </a:p>
-        </p:txBody>
-      </p:sp>
-      <p:sp>
-        <p:nvSpPr>
-          <p:cNvPr id="19" name="PlaceHolder 2"/>
-          <p:cNvSpPr>
-            <a:spLocks noGrp="1"/>
-          </p:cNvSpPr>
-          <p:nvPr>
-            <p:ph type="body"/>
-          </p:nvPr>
-        </p:nvSpPr>
-        <p:spPr>
-          <a:xfrm>
-            <a:off x="838080" y="1825560"/>
-            <a:ext cx="5131080" cy="4350960"/>
-          </a:xfrm>
-          <a:prstGeom prst="rect">
-            <a:avLst/>
-          </a:prstGeom>
-        </p:spPr>
-        <p:txBody>
-          <a:bodyPr lIns="0" rIns="0" tIns="0" bIns="0">
-            <a:normAutofit/>
-          </a:bodyPr>
-          <a:p>
-            <a:endParaRPr b="0" lang="en-US" sz="2800" spc="-1" strike="noStrike">
-              <a:solidFill>
-                <a:srgbClr val="000000"/>
-              </a:solidFill>
-              <a:latin typeface="Calibri"/>
-            </a:endParaRPr>
-          </a:p>
-        </p:txBody>
-      </p:sp>
-      <p:sp>
-        <p:nvSpPr>
-          <p:cNvPr id="20" name="PlaceHolder 3"/>
-          <p:cNvSpPr>
-            <a:spLocks noGrp="1"/>
-          </p:cNvSpPr>
-          <p:nvPr>
-            <p:ph type="body"/>
-          </p:nvPr>
-        </p:nvSpPr>
-        <p:spPr>
-          <a:xfrm>
-            <a:off x="6226200" y="1825560"/>
-            <a:ext cx="5131080" cy="2075040"/>
-          </a:xfrm>
-          <a:prstGeom prst="rect">
-            <a:avLst/>
-          </a:prstGeom>
-        </p:spPr>
-        <p:txBody>
-          <a:bodyPr lIns="0" rIns="0" tIns="0" bIns="0">
-            <a:normAutofit/>
-          </a:bodyPr>
-          <a:p>
-            <a:endParaRPr b="0" lang="en-US" sz="2800" spc="-1" strike="noStrike">
-              <a:solidFill>
-                <a:srgbClr val="000000"/>
-              </a:solidFill>
-              <a:latin typeface="Calibri"/>
-            </a:endParaRPr>
-          </a:p>
-        </p:txBody>
-      </p:sp>
-      <p:sp>
-        <p:nvSpPr>
-          <p:cNvPr id="21" name="PlaceHolder 4"/>
-          <p:cNvSpPr>
-            <a:spLocks noGrp="1"/>
-          </p:cNvSpPr>
-          <p:nvPr>
-            <p:ph type="body"/>
-          </p:nvPr>
-        </p:nvSpPr>
-        <p:spPr>
-          <a:xfrm>
-            <a:off x="6226200" y="4098240"/>
-            <a:ext cx="5131080" cy="2075040"/>
-          </a:xfrm>
-          <a:prstGeom prst="rect">
-            <a:avLst/>
-          </a:prstGeom>
-        </p:spPr>
-        <p:txBody>
-          <a:bodyPr lIns="0" rIns="0" tIns="0" bIns="0">
-            <a:normAutofit/>
-          </a:bodyPr>
-          <a:p>
-            <a:endParaRPr b="0" lang="en-US" sz="2800" spc="-1" strike="noStrike">
-              <a:solidFill>
-                <a:srgbClr val="000000"/>
-              </a:solidFill>
-              <a:latin typeface="Calibri"/>
+            <a:pPr algn="ctr"/>
+            <a:endParaRPr b="0" lang="en-US" sz="4400" spc="-1" strike="noStrike">
+              <a:latin typeface="Arial"/>
+            </a:endParaRPr>
+          </a:p>
+        </p:txBody>
+      </p:sp>
+      <p:sp>
+        <p:nvSpPr>
+          <p:cNvPr id="16" name="PlaceHolder 2"/>
+          <p:cNvSpPr>
+            <a:spLocks noGrp="1"/>
+          </p:cNvSpPr>
+          <p:nvPr>
+            <p:ph type="body"/>
+          </p:nvPr>
+        </p:nvSpPr>
+        <p:spPr>
+          <a:xfrm>
+            <a:off x="609480" y="1604520"/>
+            <a:ext cx="5354280" cy="3977280"/>
+          </a:xfrm>
+          <a:prstGeom prst="rect">
+            <a:avLst/>
+          </a:prstGeom>
+        </p:spPr>
+        <p:txBody>
+          <a:bodyPr lIns="0" rIns="0" tIns="0" bIns="0">
+            <a:normAutofit/>
+          </a:bodyPr>
+          <a:p>
+            <a:endParaRPr b="0" lang="en-US" sz="3200" spc="-1" strike="noStrike">
+              <a:latin typeface="Arial"/>
+            </a:endParaRPr>
+          </a:p>
+        </p:txBody>
+      </p:sp>
+      <p:sp>
+        <p:nvSpPr>
+          <p:cNvPr id="17" name="PlaceHolder 3"/>
+          <p:cNvSpPr>
+            <a:spLocks noGrp="1"/>
+          </p:cNvSpPr>
+          <p:nvPr>
+            <p:ph type="body"/>
+          </p:nvPr>
+        </p:nvSpPr>
+        <p:spPr>
+          <a:xfrm>
+            <a:off x="6231960" y="1604520"/>
+            <a:ext cx="5354280" cy="1896840"/>
+          </a:xfrm>
+          <a:prstGeom prst="rect">
+            <a:avLst/>
+          </a:prstGeom>
+        </p:spPr>
+        <p:txBody>
+          <a:bodyPr lIns="0" rIns="0" tIns="0" bIns="0">
+            <a:normAutofit/>
+          </a:bodyPr>
+          <a:p>
+            <a:endParaRPr b="0" lang="en-US" sz="3200" spc="-1" strike="noStrike">
+              <a:latin typeface="Arial"/>
+            </a:endParaRPr>
+          </a:p>
+        </p:txBody>
+      </p:sp>
+      <p:sp>
+        <p:nvSpPr>
+          <p:cNvPr id="18" name="PlaceHolder 4"/>
+          <p:cNvSpPr>
+            <a:spLocks noGrp="1"/>
+          </p:cNvSpPr>
+          <p:nvPr>
+            <p:ph type="body"/>
+          </p:nvPr>
+        </p:nvSpPr>
+        <p:spPr>
+          <a:xfrm>
+            <a:off x="6231960" y="3682080"/>
+            <a:ext cx="5354280" cy="1896840"/>
+          </a:xfrm>
+          <a:prstGeom prst="rect">
+            <a:avLst/>
+          </a:prstGeom>
+        </p:spPr>
+        <p:txBody>
+          <a:bodyPr lIns="0" rIns="0" tIns="0" bIns="0">
+            <a:normAutofit/>
+          </a:bodyPr>
+          <a:p>
+            <a:endParaRPr b="0" lang="en-US" sz="3200" spc="-1" strike="noStrike">
+              <a:latin typeface="Arial"/>
             </a:endParaRPr>
           </a:p>
         </p:txBody>
@@ -2732,7 +2559,7 @@
       </p:grpSpPr>
       <p:sp>
         <p:nvSpPr>
-          <p:cNvPr id="22" name="PlaceHolder 1"/>
+          <p:cNvPr id="19" name="PlaceHolder 1"/>
           <p:cNvSpPr>
             <a:spLocks noGrp="1"/>
           </p:cNvSpPr>
@@ -2742,8 +2569,8 @@
         </p:nvSpPr>
         <p:spPr>
           <a:xfrm>
-            <a:off x="838080" y="365040"/>
-            <a:ext cx="10515240" cy="1325160"/>
+            <a:off x="609480" y="273600"/>
+            <a:ext cx="10972440" cy="1144800"/>
           </a:xfrm>
           <a:prstGeom prst="rect">
             <a:avLst/>
@@ -2752,110 +2579,99 @@
         <p:txBody>
           <a:bodyPr lIns="0" rIns="0" tIns="0" bIns="0" anchor="ctr"/>
           <a:p>
-            <a:endParaRPr b="0" lang="en-US" sz="1800" spc="-1" strike="noStrike">
-              <a:solidFill>
-                <a:srgbClr val="000000"/>
-              </a:solidFill>
-              <a:latin typeface="Calibri"/>
-            </a:endParaRPr>
-          </a:p>
-        </p:txBody>
-      </p:sp>
-      <p:sp>
-        <p:nvSpPr>
-          <p:cNvPr id="23" name="PlaceHolder 2"/>
-          <p:cNvSpPr>
-            <a:spLocks noGrp="1"/>
-          </p:cNvSpPr>
-          <p:nvPr>
-            <p:ph type="body"/>
-          </p:nvPr>
-        </p:nvSpPr>
-        <p:spPr>
-          <a:xfrm>
-            <a:off x="838080" y="1825560"/>
-            <a:ext cx="5131080" cy="2075040"/>
-          </a:xfrm>
-          <a:prstGeom prst="rect">
-            <a:avLst/>
-          </a:prstGeom>
-        </p:spPr>
-        <p:txBody>
-          <a:bodyPr lIns="0" rIns="0" tIns="0" bIns="0">
-            <a:normAutofit/>
-          </a:bodyPr>
-          <a:p>
-            <a:endParaRPr b="0" lang="en-US" sz="2800" spc="-1" strike="noStrike">
-              <a:solidFill>
-                <a:srgbClr val="000000"/>
-              </a:solidFill>
-              <a:latin typeface="Calibri"/>
-            </a:endParaRPr>
-          </a:p>
-        </p:txBody>
-      </p:sp>
-      <p:sp>
-        <p:nvSpPr>
-          <p:cNvPr id="24" name="PlaceHolder 3"/>
-          <p:cNvSpPr>
-            <a:spLocks noGrp="1"/>
-          </p:cNvSpPr>
-          <p:nvPr>
-            <p:ph type="body"/>
-          </p:nvPr>
-        </p:nvSpPr>
-        <p:spPr>
-          <a:xfrm>
-            <a:off x="6226200" y="1825560"/>
-            <a:ext cx="5131080" cy="2075040"/>
-          </a:xfrm>
-          <a:prstGeom prst="rect">
-            <a:avLst/>
-          </a:prstGeom>
-        </p:spPr>
-        <p:txBody>
-          <a:bodyPr lIns="0" rIns="0" tIns="0" bIns="0">
-            <a:normAutofit/>
-          </a:bodyPr>
-          <a:p>
-            <a:endParaRPr b="0" lang="en-US" sz="2800" spc="-1" strike="noStrike">
-              <a:solidFill>
-                <a:srgbClr val="000000"/>
-              </a:solidFill>
-              <a:latin typeface="Calibri"/>
-            </a:endParaRPr>
-          </a:p>
-        </p:txBody>
-      </p:sp>
-      <p:sp>
-        <p:nvSpPr>
-          <p:cNvPr id="25" name="PlaceHolder 4"/>
-          <p:cNvSpPr>
-            <a:spLocks noGrp="1"/>
-          </p:cNvSpPr>
-          <p:nvPr>
-            <p:ph type="body"/>
-          </p:nvPr>
-        </p:nvSpPr>
-        <p:spPr>
-          <a:xfrm>
-            <a:off x="838080" y="4098240"/>
-            <a:ext cx="10515240" cy="2075040"/>
-          </a:xfrm>
-          <a:prstGeom prst="rect">
-            <a:avLst/>
-          </a:prstGeom>
-        </p:spPr>
-        <p:txBody>
-          <a:bodyPr lIns="0" rIns="0" tIns="0" bIns="0">
-            <a:normAutofit/>
-          </a:bodyPr>
-          <a:p>
-            <a:endParaRPr b="0" lang="en-US" sz="2800" spc="-1" strike="noStrike">
-              <a:solidFill>
-                <a:srgbClr val="000000"/>
-              </a:solidFill>
-              <a:latin typeface="Calibri"/>
+            <a:pPr algn="ctr"/>
+            <a:endParaRPr b="0" lang="en-US" sz="4400" spc="-1" strike="noStrike">
+              <a:latin typeface="Arial"/>
+            </a:endParaRPr>
+          </a:p>
+        </p:txBody>
+      </p:sp>
+      <p:sp>
+        <p:nvSpPr>
+          <p:cNvPr id="20" name="PlaceHolder 2"/>
+          <p:cNvSpPr>
+            <a:spLocks noGrp="1"/>
+          </p:cNvSpPr>
+          <p:nvPr>
+            <p:ph type="body"/>
+          </p:nvPr>
+        </p:nvSpPr>
+        <p:spPr>
+          <a:xfrm>
+            <a:off x="609480" y="1604520"/>
+            <a:ext cx="5354280" cy="1896840"/>
+          </a:xfrm>
+          <a:prstGeom prst="rect">
+            <a:avLst/>
+          </a:prstGeom>
+        </p:spPr>
+        <p:txBody>
+          <a:bodyPr lIns="0" rIns="0" tIns="0" bIns="0">
+            <a:normAutofit/>
+          </a:bodyPr>
+          <a:p>
+            <a:endParaRPr b="0" lang="en-US" sz="3200" spc="-1" strike="noStrike">
+              <a:latin typeface="Arial"/>
+            </a:endParaRPr>
+          </a:p>
+        </p:txBody>
+      </p:sp>
+      <p:sp>
+        <p:nvSpPr>
+          <p:cNvPr id="21" name="PlaceHolder 3"/>
+          <p:cNvSpPr>
+            <a:spLocks noGrp="1"/>
+          </p:cNvSpPr>
+          <p:nvPr>
+            <p:ph type="body"/>
+          </p:nvPr>
+        </p:nvSpPr>
+        <p:spPr>
+          <a:xfrm>
+            <a:off x="6231960" y="1604520"/>
+            <a:ext cx="5354280" cy="1896840"/>
+          </a:xfrm>
+          <a:prstGeom prst="rect">
+            <a:avLst/>
+          </a:prstGeom>
+        </p:spPr>
+        <p:txBody>
+          <a:bodyPr lIns="0" rIns="0" tIns="0" bIns="0">
+            <a:normAutofit/>
+          </a:bodyPr>
+          <a:p>
+            <a:endParaRPr b="0" lang="en-US" sz="3200" spc="-1" strike="noStrike">
+              <a:latin typeface="Arial"/>
+            </a:endParaRPr>
+          </a:p>
+        </p:txBody>
+      </p:sp>
+      <p:sp>
+        <p:nvSpPr>
+          <p:cNvPr id="22" name="PlaceHolder 4"/>
+          <p:cNvSpPr>
+            <a:spLocks noGrp="1"/>
+          </p:cNvSpPr>
+          <p:nvPr>
+            <p:ph type="body"/>
+          </p:nvPr>
+        </p:nvSpPr>
+        <p:spPr>
+          <a:xfrm>
+            <a:off x="609480" y="3682080"/>
+            <a:ext cx="10972440" cy="1896840"/>
+          </a:xfrm>
+          <a:prstGeom prst="rect">
+            <a:avLst/>
+          </a:prstGeom>
+        </p:spPr>
+        <p:txBody>
+          <a:bodyPr lIns="0" rIns="0" tIns="0" bIns="0">
+            <a:normAutofit/>
+          </a:bodyPr>
+          <a:p>
+            <a:endParaRPr b="0" lang="en-US" sz="3200" spc="-1" strike="noStrike">
+              <a:latin typeface="Arial"/>
             </a:endParaRPr>
           </a:p>
         </p:txBody>
@@ -2901,35 +2717,24 @@
         </p:nvSpPr>
         <p:spPr>
           <a:xfrm>
-            <a:off x="1523880" y="1122480"/>
-            <a:ext cx="9143640" cy="2387160"/>
-          </a:xfrm>
-          <a:prstGeom prst="rect">
-            <a:avLst/>
-          </a:prstGeom>
-        </p:spPr>
-        <p:txBody>
-          <a:bodyPr anchor="b"/>
-          <a:p>
-            <a:pPr algn="ctr">
-              <a:lnSpc>
-                <a:spcPct val="90000"/>
-              </a:lnSpc>
-            </a:pPr>
+            <a:off x="838080" y="365040"/>
+            <a:ext cx="10514880" cy="1324800"/>
+          </a:xfrm>
+          <a:prstGeom prst="rect">
+            <a:avLst/>
+          </a:prstGeom>
+        </p:spPr>
+        <p:txBody>
+          <a:bodyPr lIns="0" rIns="0" tIns="0" bIns="0" anchor="ctr"/>
+          <a:p>
             <a:r>
-              <a:rPr b="0" lang="en-US" sz="6000" spc="-1" strike="noStrike">
-                <a:solidFill>
-                  <a:srgbClr val="000000"/>
-                </a:solidFill>
-                <a:latin typeface="Calibri Light"/>
+              <a:rPr b="0" lang="en-US" sz="1800" spc="-1" strike="noStrike">
+                <a:latin typeface="Arial"/>
               </a:rPr>
-              <a:t>单击此处编辑母版标题样式</a:t>
+              <a:t>Click to edit the title text format</a:t>
             </a:r>
-            <a:endParaRPr b="0" lang="en-US" sz="6000" spc="-1" strike="noStrike">
-              <a:solidFill>
-                <a:srgbClr val="000000"/>
-              </a:solidFill>
-              <a:latin typeface="Calibri"/>
+            <a:endParaRPr b="0" lang="en-US" sz="1800" spc="-1" strike="noStrike">
+              <a:latin typeface="Arial"/>
             </a:endParaRPr>
           </a:p>
         </p:txBody>
@@ -2937,118 +2742,6 @@
       <p:sp>
         <p:nvSpPr>
           <p:cNvPr id="1" name="PlaceHolder 2"/>
-          <p:cNvSpPr>
-            <a:spLocks noGrp="1"/>
-          </p:cNvSpPr>
-          <p:nvPr>
-            <p:ph type="dt"/>
-          </p:nvPr>
-        </p:nvSpPr>
-        <p:spPr>
-          <a:xfrm>
-            <a:off x="838080" y="6356520"/>
-            <a:ext cx="2742840" cy="364680"/>
-          </a:xfrm>
-          <a:prstGeom prst="rect">
-            <a:avLst/>
-          </a:prstGeom>
-        </p:spPr>
-        <p:txBody>
-          <a:bodyPr anchor="ctr"/>
-          <a:p>
-            <a:pPr>
-              <a:lnSpc>
-                <a:spcPct val="100000"/>
-              </a:lnSpc>
-            </a:pPr>
-            <a:fld id="{2F07B723-2C65-43A8-BB37-2D202FB164F4}" type="datetime">
-              <a:rPr b="0" lang="en-US" sz="1200" spc="-1" strike="noStrike">
-                <a:solidFill>
-                  <a:srgbClr val="8b8b8b"/>
-                </a:solidFill>
-                <a:latin typeface="Calibri"/>
-              </a:rPr>
-              <a:t>12/9/18</a:t>
-            </a:fld>
-            <a:endParaRPr b="0" lang="en-US" sz="1200" spc="-1" strike="noStrike">
-              <a:latin typeface="Times New Roman"/>
-            </a:endParaRPr>
-          </a:p>
-        </p:txBody>
-      </p:sp>
-      <p:sp>
-        <p:nvSpPr>
-          <p:cNvPr id="2" name="PlaceHolder 3"/>
-          <p:cNvSpPr>
-            <a:spLocks noGrp="1"/>
-          </p:cNvSpPr>
-          <p:nvPr>
-            <p:ph type="ftr"/>
-          </p:nvPr>
-        </p:nvSpPr>
-        <p:spPr>
-          <a:xfrm>
-            <a:off x="4038480" y="6356520"/>
-            <a:ext cx="4114440" cy="364680"/>
-          </a:xfrm>
-          <a:prstGeom prst="rect">
-            <a:avLst/>
-          </a:prstGeom>
-        </p:spPr>
-        <p:txBody>
-          <a:bodyPr anchor="ctr"/>
-          <a:p>
-            <a:endParaRPr b="0" lang="en-US" sz="2400" spc="-1" strike="noStrike">
-              <a:latin typeface="Times New Roman"/>
-            </a:endParaRPr>
-          </a:p>
-        </p:txBody>
-      </p:sp>
-      <p:sp>
-        <p:nvSpPr>
-          <p:cNvPr id="3" name="PlaceHolder 4"/>
-          <p:cNvSpPr>
-            <a:spLocks noGrp="1"/>
-          </p:cNvSpPr>
-          <p:nvPr>
-            <p:ph type="sldNum"/>
-          </p:nvPr>
-        </p:nvSpPr>
-        <p:spPr>
-          <a:xfrm>
-            <a:off x="8610480" y="6356520"/>
-            <a:ext cx="2742840" cy="364680"/>
-          </a:xfrm>
-          <a:prstGeom prst="rect">
-            <a:avLst/>
-          </a:prstGeom>
-        </p:spPr>
-        <p:txBody>
-          <a:bodyPr anchor="ctr"/>
-          <a:p>
-            <a:pPr algn="r">
-              <a:lnSpc>
-                <a:spcPct val="100000"/>
-              </a:lnSpc>
-            </a:pPr>
-            <a:fld id="{0C67634D-D7AE-4D41-9774-478EC25615FB}" type="slidenum">
-              <a:rPr b="0" lang="en-US" sz="1200" spc="-1" strike="noStrike">
-                <a:solidFill>
-                  <a:srgbClr val="8b8b8b"/>
-                </a:solidFill>
-                <a:latin typeface="Calibri"/>
-              </a:rPr>
-              <a:t>1</a:t>
-            </a:fld>
-            <a:endParaRPr b="0" lang="en-US" sz="1200" spc="-1" strike="noStrike">
-              <a:latin typeface="Times New Roman"/>
-            </a:endParaRPr>
-          </a:p>
-        </p:txBody>
-      </p:sp>
-      <p:sp>
-        <p:nvSpPr>
-          <p:cNvPr id="4" name="PlaceHolder 5"/>
           <p:cNvSpPr>
             <a:spLocks noGrp="1"/>
           </p:cNvSpPr>
@@ -3082,19 +2775,13 @@
               <a:buChar char=""/>
             </a:pPr>
             <a:r>
-              <a:rPr b="0" lang="en-US" sz="2800" spc="-1" strike="noStrike">
-                <a:solidFill>
-                  <a:srgbClr val="000000"/>
-                </a:solidFill>
-                <a:latin typeface="Calibri"/>
+              <a:rPr b="0" lang="en-US" sz="3200" spc="-1" strike="noStrike">
+                <a:latin typeface="Arial"/>
               </a:rPr>
               <a:t>Click to edit the outline text format</a:t>
             </a:r>
-            <a:endParaRPr b="0" lang="en-US" sz="2800" spc="-1" strike="noStrike">
-              <a:solidFill>
-                <a:srgbClr val="000000"/>
-              </a:solidFill>
-              <a:latin typeface="Calibri"/>
+            <a:endParaRPr b="0" lang="en-US" sz="3200" spc="-1" strike="noStrike">
+              <a:latin typeface="Arial"/>
             </a:endParaRPr>
           </a:p>
           <a:p>
@@ -3110,19 +2797,13 @@
               <a:buChar char=""/>
             </a:pPr>
             <a:r>
-              <a:rPr b="0" lang="en-US" sz="2000" spc="-1" strike="noStrike">
-                <a:solidFill>
-                  <a:srgbClr val="000000"/>
-                </a:solidFill>
-                <a:latin typeface="Calibri"/>
+              <a:rPr b="0" lang="en-US" sz="2800" spc="-1" strike="noStrike">
+                <a:latin typeface="Arial"/>
               </a:rPr>
               <a:t>Second Outline Level</a:t>
             </a:r>
-            <a:endParaRPr b="0" lang="en-US" sz="2000" spc="-1" strike="noStrike">
-              <a:solidFill>
-                <a:srgbClr val="000000"/>
-              </a:solidFill>
-              <a:latin typeface="Calibri"/>
+            <a:endParaRPr b="0" lang="en-US" sz="2800" spc="-1" strike="noStrike">
+              <a:latin typeface="Arial"/>
             </a:endParaRPr>
           </a:p>
           <a:p>
@@ -3138,19 +2819,13 @@
               <a:buChar char=""/>
             </a:pPr>
             <a:r>
-              <a:rPr b="0" lang="en-US" sz="1800" spc="-1" strike="noStrike">
-                <a:solidFill>
-                  <a:srgbClr val="000000"/>
-                </a:solidFill>
-                <a:latin typeface="Calibri"/>
+              <a:rPr b="0" lang="en-US" sz="2400" spc="-1" strike="noStrike">
+                <a:latin typeface="Arial"/>
               </a:rPr>
               <a:t>Third Outline Level</a:t>
             </a:r>
-            <a:endParaRPr b="0" lang="en-US" sz="1800" spc="-1" strike="noStrike">
-              <a:solidFill>
-                <a:srgbClr val="000000"/>
-              </a:solidFill>
-              <a:latin typeface="Calibri"/>
+            <a:endParaRPr b="0" lang="en-US" sz="2400" spc="-1" strike="noStrike">
+              <a:latin typeface="Arial"/>
             </a:endParaRPr>
           </a:p>
           <a:p>
@@ -3166,19 +2841,13 @@
               <a:buChar char=""/>
             </a:pPr>
             <a:r>
-              <a:rPr b="0" lang="en-US" sz="1800" spc="-1" strike="noStrike">
-                <a:solidFill>
-                  <a:srgbClr val="000000"/>
-                </a:solidFill>
-                <a:latin typeface="Calibri"/>
+              <a:rPr b="0" lang="en-US" sz="2000" spc="-1" strike="noStrike">
+                <a:latin typeface="Arial"/>
               </a:rPr>
               <a:t>Fourth Outline Level</a:t>
             </a:r>
-            <a:endParaRPr b="0" lang="en-US" sz="1800" spc="-1" strike="noStrike">
-              <a:solidFill>
-                <a:srgbClr val="000000"/>
-              </a:solidFill>
-              <a:latin typeface="Calibri"/>
+            <a:endParaRPr b="0" lang="en-US" sz="2000" spc="-1" strike="noStrike">
+              <a:latin typeface="Arial"/>
             </a:endParaRPr>
           </a:p>
           <a:p>
@@ -3195,18 +2864,12 @@
             </a:pPr>
             <a:r>
               <a:rPr b="0" lang="en-US" sz="2000" spc="-1" strike="noStrike">
-                <a:solidFill>
-                  <a:srgbClr val="000000"/>
-                </a:solidFill>
-                <a:latin typeface="Calibri"/>
+                <a:latin typeface="Arial"/>
               </a:rPr>
               <a:t>Fifth Outline Level</a:t>
             </a:r>
             <a:endParaRPr b="0" lang="en-US" sz="2000" spc="-1" strike="noStrike">
-              <a:solidFill>
-                <a:srgbClr val="000000"/>
-              </a:solidFill>
-              <a:latin typeface="Calibri"/>
+              <a:latin typeface="Arial"/>
             </a:endParaRPr>
           </a:p>
           <a:p>
@@ -3223,18 +2886,12 @@
             </a:pPr>
             <a:r>
               <a:rPr b="0" lang="en-US" sz="2000" spc="-1" strike="noStrike">
-                <a:solidFill>
-                  <a:srgbClr val="000000"/>
-                </a:solidFill>
-                <a:latin typeface="Calibri"/>
+                <a:latin typeface="Arial"/>
               </a:rPr>
               <a:t>Sixth Outline Level</a:t>
             </a:r>
             <a:endParaRPr b="0" lang="en-US" sz="2000" spc="-1" strike="noStrike">
-              <a:solidFill>
-                <a:srgbClr val="000000"/>
-              </a:solidFill>
-              <a:latin typeface="Calibri"/>
+              <a:latin typeface="Arial"/>
             </a:endParaRPr>
           </a:p>
           <a:p>
@@ -3251,18 +2908,12 @@
             </a:pPr>
             <a:r>
               <a:rPr b="0" lang="en-US" sz="2000" spc="-1" strike="noStrike">
-                <a:solidFill>
-                  <a:srgbClr val="000000"/>
-                </a:solidFill>
-                <a:latin typeface="Calibri"/>
+                <a:latin typeface="Arial"/>
               </a:rPr>
               <a:t>Seventh Outline Level</a:t>
             </a:r>
             <a:endParaRPr b="0" lang="en-US" sz="2000" spc="-1" strike="noStrike">
-              <a:solidFill>
-                <a:srgbClr val="000000"/>
-              </a:solidFill>
-              <a:latin typeface="Calibri"/>
+              <a:latin typeface="Arial"/>
             </a:endParaRPr>
           </a:p>
         </p:txBody>
@@ -3313,7 +2964,7 @@
       </p:grpSpPr>
       <p:sp>
         <p:nvSpPr>
-          <p:cNvPr id="41" name="PlaceHolder 1"/>
+          <p:cNvPr id="38" name="PlaceHolder 1"/>
           <p:cNvSpPr>
             <a:spLocks noGrp="1"/>
           </p:cNvSpPr>
@@ -3323,320 +2974,204 @@
         </p:nvSpPr>
         <p:spPr>
           <a:xfrm>
-            <a:off x="838080" y="365040"/>
-            <a:ext cx="10515240" cy="1325160"/>
-          </a:xfrm>
-          <a:prstGeom prst="rect">
-            <a:avLst/>
-          </a:prstGeom>
-        </p:spPr>
-        <p:txBody>
-          <a:bodyPr anchor="ctr"/>
-          <a:p>
-            <a:pPr>
-              <a:lnSpc>
-                <a:spcPct val="90000"/>
-              </a:lnSpc>
-            </a:pPr>
+            <a:off x="609480" y="273600"/>
+            <a:ext cx="10972440" cy="1144800"/>
+          </a:xfrm>
+          <a:prstGeom prst="rect">
+            <a:avLst/>
+          </a:prstGeom>
+        </p:spPr>
+        <p:txBody>
+          <a:bodyPr lIns="0" rIns="0" tIns="0" bIns="0" anchor="ctr"/>
+          <a:p>
+            <a:pPr algn="ctr"/>
             <a:r>
               <a:rPr b="0" lang="en-US" sz="4400" spc="-1" strike="noStrike">
-                <a:solidFill>
-                  <a:srgbClr val="000000"/>
-                </a:solidFill>
-                <a:latin typeface="Calibri Light"/>
+                <a:latin typeface="Arial"/>
               </a:rPr>
-              <a:t>单击此处编辑母版标题样式</a:t>
+              <a:t>Click to edit the title text format</a:t>
             </a:r>
             <a:endParaRPr b="0" lang="en-US" sz="4400" spc="-1" strike="noStrike">
-              <a:solidFill>
-                <a:srgbClr val="000000"/>
-              </a:solidFill>
-              <a:latin typeface="Calibri"/>
-            </a:endParaRPr>
-          </a:p>
-        </p:txBody>
-      </p:sp>
-      <p:sp>
-        <p:nvSpPr>
-          <p:cNvPr id="42" name="PlaceHolder 2"/>
-          <p:cNvSpPr>
-            <a:spLocks noGrp="1"/>
-          </p:cNvSpPr>
-          <p:nvPr>
-            <p:ph type="body"/>
-          </p:nvPr>
-        </p:nvSpPr>
-        <p:spPr>
-          <a:xfrm>
-            <a:off x="838080" y="1825560"/>
-            <a:ext cx="10515240" cy="4350960"/>
-          </a:xfrm>
-          <a:prstGeom prst="rect">
-            <a:avLst/>
-          </a:prstGeom>
-        </p:spPr>
-        <p:txBody>
-          <a:bodyPr/>
-          <a:p>
-            <a:pPr marL="228600" indent="-228240">
-              <a:lnSpc>
-                <a:spcPct val="90000"/>
-              </a:lnSpc>
+              <a:latin typeface="Arial"/>
+            </a:endParaRPr>
+          </a:p>
+        </p:txBody>
+      </p:sp>
+      <p:sp>
+        <p:nvSpPr>
+          <p:cNvPr id="39" name="PlaceHolder 2"/>
+          <p:cNvSpPr>
+            <a:spLocks noGrp="1"/>
+          </p:cNvSpPr>
+          <p:nvPr>
+            <p:ph type="body"/>
+          </p:nvPr>
+        </p:nvSpPr>
+        <p:spPr>
+          <a:xfrm>
+            <a:off x="609480" y="1604520"/>
+            <a:ext cx="10972440" cy="3977280"/>
+          </a:xfrm>
+          <a:prstGeom prst="rect">
+            <a:avLst/>
+          </a:prstGeom>
+        </p:spPr>
+        <p:txBody>
+          <a:bodyPr lIns="0" rIns="0" tIns="0" bIns="0">
+            <a:normAutofit/>
+          </a:bodyPr>
+          <a:p>
+            <a:pPr marL="432000" indent="-324000">
               <a:spcBef>
-                <a:spcPts val="1001"/>
+                <a:spcPts val="1417"/>
               </a:spcBef>
               <a:buClr>
                 <a:srgbClr val="000000"/>
               </a:buClr>
-              <a:buFont typeface="Arial"/>
-              <a:buChar char="•"/>
+              <a:buSzPct val="45000"/>
+              <a:buFont typeface="Wingdings" charset="2"/>
+              <a:buChar char=""/>
             </a:pPr>
             <a:r>
-              <a:rPr b="0" lang="en-US" sz="2800" spc="-1" strike="noStrike">
-                <a:solidFill>
-                  <a:srgbClr val="000000"/>
-                </a:solidFill>
-                <a:latin typeface="Calibri"/>
+              <a:rPr b="0" lang="en-US" sz="3200" spc="-1" strike="noStrike">
+                <a:latin typeface="Arial"/>
               </a:rPr>
-              <a:t>编辑母版文本样式</a:t>
+              <a:t>Click to edit the outline text format</a:t>
             </a:r>
-            <a:endParaRPr b="0" lang="en-US" sz="2800" spc="-1" strike="noStrike">
-              <a:solidFill>
-                <a:srgbClr val="000000"/>
-              </a:solidFill>
-              <a:latin typeface="Calibri"/>
-            </a:endParaRPr>
-          </a:p>
-          <a:p>
-            <a:pPr lvl="1" marL="685800" indent="-228240">
-              <a:lnSpc>
-                <a:spcPct val="90000"/>
-              </a:lnSpc>
+            <a:endParaRPr b="0" lang="en-US" sz="3200" spc="-1" strike="noStrike">
+              <a:latin typeface="Arial"/>
+            </a:endParaRPr>
+          </a:p>
+          <a:p>
+            <a:pPr lvl="1" marL="864000" indent="-324000">
               <a:spcBef>
-                <a:spcPts val="499"/>
+                <a:spcPts val="1134"/>
               </a:spcBef>
               <a:buClr>
                 <a:srgbClr val="000000"/>
               </a:buClr>
-              <a:buFont typeface="Arial"/>
-              <a:buChar char="•"/>
+              <a:buSzPct val="75000"/>
+              <a:buFont typeface="Symbol" charset="2"/>
+              <a:buChar char=""/>
             </a:pPr>
             <a:r>
-              <a:rPr b="0" lang="en-US" sz="2400" spc="-1" strike="noStrike">
-                <a:solidFill>
-                  <a:srgbClr val="000000"/>
-                </a:solidFill>
-                <a:latin typeface="Calibri"/>
+              <a:rPr b="0" lang="en-US" sz="2800" spc="-1" strike="noStrike">
+                <a:latin typeface="Arial"/>
               </a:rPr>
-              <a:t>第二级</a:t>
+              <a:t>Second Outline Level</a:t>
             </a:r>
-            <a:endParaRPr b="0" lang="en-US" sz="2400" spc="-1" strike="noStrike">
-              <a:solidFill>
-                <a:srgbClr val="000000"/>
-              </a:solidFill>
-              <a:latin typeface="Calibri"/>
-            </a:endParaRPr>
-          </a:p>
-          <a:p>
-            <a:pPr lvl="2" marL="1143000" indent="-228240">
-              <a:lnSpc>
-                <a:spcPct val="90000"/>
-              </a:lnSpc>
+            <a:endParaRPr b="0" lang="en-US" sz="2800" spc="-1" strike="noStrike">
+              <a:latin typeface="Arial"/>
+            </a:endParaRPr>
+          </a:p>
+          <a:p>
+            <a:pPr lvl="2" marL="1296000" indent="-288000">
               <a:spcBef>
-                <a:spcPts val="499"/>
+                <a:spcPts val="850"/>
               </a:spcBef>
               <a:buClr>
                 <a:srgbClr val="000000"/>
               </a:buClr>
-              <a:buFont typeface="Arial"/>
-              <a:buChar char="•"/>
+              <a:buSzPct val="45000"/>
+              <a:buFont typeface="Wingdings" charset="2"/>
+              <a:buChar char=""/>
             </a:pPr>
             <a:r>
-              <a:rPr b="0" lang="en-US" sz="2000" spc="-1" strike="noStrike">
-                <a:solidFill>
-                  <a:srgbClr val="000000"/>
-                </a:solidFill>
-                <a:latin typeface="Calibri"/>
+              <a:rPr b="0" lang="en-US" sz="2400" spc="-1" strike="noStrike">
+                <a:latin typeface="Arial"/>
               </a:rPr>
-              <a:t>第三级</a:t>
+              <a:t>Third Outline Level</a:t>
             </a:r>
-            <a:endParaRPr b="0" lang="en-US" sz="2000" spc="-1" strike="noStrike">
-              <a:solidFill>
-                <a:srgbClr val="000000"/>
-              </a:solidFill>
-              <a:latin typeface="Calibri"/>
-            </a:endParaRPr>
-          </a:p>
-          <a:p>
-            <a:pPr lvl="3" marL="1600200" indent="-228240">
-              <a:lnSpc>
-                <a:spcPct val="90000"/>
-              </a:lnSpc>
+            <a:endParaRPr b="0" lang="en-US" sz="2400" spc="-1" strike="noStrike">
+              <a:latin typeface="Arial"/>
+            </a:endParaRPr>
+          </a:p>
+          <a:p>
+            <a:pPr lvl="3" marL="1728000" indent="-216000">
               <a:spcBef>
-                <a:spcPts val="499"/>
+                <a:spcPts val="567"/>
               </a:spcBef>
               <a:buClr>
                 <a:srgbClr val="000000"/>
               </a:buClr>
-              <a:buFont typeface="Arial"/>
-              <a:buChar char="•"/>
+              <a:buSzPct val="75000"/>
+              <a:buFont typeface="Symbol" charset="2"/>
+              <a:buChar char=""/>
             </a:pPr>
             <a:r>
-              <a:rPr b="0" lang="en-US" sz="1800" spc="-1" strike="noStrike">
-                <a:solidFill>
-                  <a:srgbClr val="000000"/>
-                </a:solidFill>
-                <a:latin typeface="Calibri"/>
+              <a:rPr b="0" lang="en-US" sz="2000" spc="-1" strike="noStrike">
+                <a:latin typeface="Arial"/>
               </a:rPr>
-              <a:t>第四级</a:t>
+              <a:t>Fourth Outline Level</a:t>
             </a:r>
-            <a:endParaRPr b="0" lang="en-US" sz="1800" spc="-1" strike="noStrike">
-              <a:solidFill>
-                <a:srgbClr val="000000"/>
-              </a:solidFill>
-              <a:latin typeface="Calibri"/>
-            </a:endParaRPr>
-          </a:p>
-          <a:p>
-            <a:pPr lvl="4" marL="2057400" indent="-228240">
-              <a:lnSpc>
-                <a:spcPct val="90000"/>
-              </a:lnSpc>
+            <a:endParaRPr b="0" lang="en-US" sz="2000" spc="-1" strike="noStrike">
+              <a:latin typeface="Arial"/>
+            </a:endParaRPr>
+          </a:p>
+          <a:p>
+            <a:pPr lvl="4" marL="2160000" indent="-216000">
               <a:spcBef>
-                <a:spcPts val="499"/>
+                <a:spcPts val="283"/>
               </a:spcBef>
               <a:buClr>
                 <a:srgbClr val="000000"/>
               </a:buClr>
-              <a:buFont typeface="Arial"/>
-              <a:buChar char="•"/>
+              <a:buSzPct val="45000"/>
+              <a:buFont typeface="Wingdings" charset="2"/>
+              <a:buChar char=""/>
             </a:pPr>
             <a:r>
-              <a:rPr b="0" lang="en-US" sz="1800" spc="-1" strike="noStrike">
-                <a:solidFill>
-                  <a:srgbClr val="000000"/>
-                </a:solidFill>
-                <a:latin typeface="Calibri"/>
+              <a:rPr b="0" lang="en-US" sz="2000" spc="-1" strike="noStrike">
+                <a:latin typeface="Arial"/>
               </a:rPr>
-              <a:t>第五级</a:t>
+              <a:t>Fifth Outline Level</a:t>
             </a:r>
-            <a:endParaRPr b="0" lang="en-US" sz="1800" spc="-1" strike="noStrike">
-              <a:solidFill>
+            <a:endParaRPr b="0" lang="en-US" sz="2000" spc="-1" strike="noStrike">
+              <a:latin typeface="Arial"/>
+            </a:endParaRPr>
+          </a:p>
+          <a:p>
+            <a:pPr lvl="5" marL="2592000" indent="-216000">
+              <a:spcBef>
+                <a:spcPts val="283"/>
+              </a:spcBef>
+              <a:buClr>
                 <a:srgbClr val="000000"/>
-              </a:solidFill>
-              <a:latin typeface="Calibri"/>
-            </a:endParaRPr>
-          </a:p>
-        </p:txBody>
-      </p:sp>
-      <p:sp>
-        <p:nvSpPr>
-          <p:cNvPr id="43" name="PlaceHolder 3"/>
-          <p:cNvSpPr>
-            <a:spLocks noGrp="1"/>
-          </p:cNvSpPr>
-          <p:nvPr>
-            <p:ph type="dt"/>
-          </p:nvPr>
-        </p:nvSpPr>
-        <p:spPr>
-          <a:xfrm>
-            <a:off x="838080" y="6356520"/>
-            <a:ext cx="2742840" cy="364680"/>
-          </a:xfrm>
-          <a:prstGeom prst="rect">
-            <a:avLst/>
-          </a:prstGeom>
-        </p:spPr>
-        <p:txBody>
-          <a:bodyPr anchor="ctr"/>
-          <a:p>
-            <a:pPr>
-              <a:lnSpc>
-                <a:spcPct val="100000"/>
-              </a:lnSpc>
+              </a:buClr>
+              <a:buSzPct val="45000"/>
+              <a:buFont typeface="Wingdings" charset="2"/>
+              <a:buChar char=""/>
             </a:pPr>
-            <a:fld id="{FAE592DC-0CC8-4F89-B49D-36D04ACA4839}" type="datetime">
-              <a:rPr b="0" lang="en-US" sz="1200" spc="-1" strike="noStrike">
-                <a:solidFill>
-                  <a:srgbClr val="8b8b8b"/>
-                </a:solidFill>
-                <a:latin typeface="Calibri"/>
+            <a:r>
+              <a:rPr b="0" lang="en-US" sz="2000" spc="-1" strike="noStrike">
+                <a:latin typeface="Arial"/>
               </a:rPr>
-              <a:t>12/9/18</a:t>
-            </a:fld>
-            <a:endParaRPr b="0" lang="en-US" sz="1200" spc="-1" strike="noStrike">
-              <a:latin typeface="Times New Roman"/>
-            </a:endParaRPr>
-          </a:p>
-        </p:txBody>
-      </p:sp>
-      <p:sp>
-        <p:nvSpPr>
-          <p:cNvPr id="44" name="PlaceHolder 4"/>
-          <p:cNvSpPr>
-            <a:spLocks noGrp="1"/>
-          </p:cNvSpPr>
-          <p:nvPr>
-            <p:ph type="ftr"/>
-          </p:nvPr>
-        </p:nvSpPr>
-        <p:spPr>
-          <a:xfrm>
-            <a:off x="4038480" y="6356520"/>
-            <a:ext cx="4114440" cy="364680"/>
-          </a:xfrm>
-          <a:prstGeom prst="rect">
-            <a:avLst/>
-          </a:prstGeom>
-        </p:spPr>
-        <p:txBody>
-          <a:bodyPr anchor="ctr"/>
-          <a:p>
-            <a:endParaRPr b="0" lang="en-US" sz="2400" spc="-1" strike="noStrike">
-              <a:latin typeface="Times New Roman"/>
-            </a:endParaRPr>
-          </a:p>
-        </p:txBody>
-      </p:sp>
-      <p:sp>
-        <p:nvSpPr>
-          <p:cNvPr id="45" name="PlaceHolder 5"/>
-          <p:cNvSpPr>
-            <a:spLocks noGrp="1"/>
-          </p:cNvSpPr>
-          <p:nvPr>
-            <p:ph type="sldNum"/>
-          </p:nvPr>
-        </p:nvSpPr>
-        <p:spPr>
-          <a:xfrm>
-            <a:off x="8610480" y="6356520"/>
-            <a:ext cx="2742840" cy="364680"/>
-          </a:xfrm>
-          <a:prstGeom prst="rect">
-            <a:avLst/>
-          </a:prstGeom>
-        </p:spPr>
-        <p:txBody>
-          <a:bodyPr anchor="ctr"/>
-          <a:p>
-            <a:pPr algn="r">
-              <a:lnSpc>
-                <a:spcPct val="100000"/>
-              </a:lnSpc>
+              <a:t>Sixth Outline Level</a:t>
+            </a:r>
+            <a:endParaRPr b="0" lang="en-US" sz="2000" spc="-1" strike="noStrike">
+              <a:latin typeface="Arial"/>
+            </a:endParaRPr>
+          </a:p>
+          <a:p>
+            <a:pPr lvl="6" marL="3024000" indent="-216000">
+              <a:spcBef>
+                <a:spcPts val="283"/>
+              </a:spcBef>
+              <a:buClr>
+                <a:srgbClr val="000000"/>
+              </a:buClr>
+              <a:buSzPct val="45000"/>
+              <a:buFont typeface="Wingdings" charset="2"/>
+              <a:buChar char=""/>
             </a:pPr>
-            <a:fld id="{DEF99D7C-F0FA-4DC3-AD0E-FC6B343FA9F6}" type="slidenum">
-              <a:rPr b="0" lang="en-US" sz="1200" spc="-1" strike="noStrike">
-                <a:solidFill>
-                  <a:srgbClr val="8b8b8b"/>
-                </a:solidFill>
-                <a:latin typeface="Calibri"/>
+            <a:r>
+              <a:rPr b="0" lang="en-US" sz="2000" spc="-1" strike="noStrike">
+                <a:latin typeface="Arial"/>
               </a:rPr>
-              <a:t>1</a:t>
-            </a:fld>
-            <a:endParaRPr b="0" lang="en-US" sz="1200" spc="-1" strike="noStrike">
-              <a:latin typeface="Times New Roman"/>
+              <a:t>Seventh Outline Level</a:t>
+            </a:r>
+            <a:endParaRPr b="0" lang="en-US" sz="2000" spc="-1" strike="noStrike">
+              <a:latin typeface="Arial"/>
             </a:endParaRPr>
           </a:p>
         </p:txBody>
@@ -3680,14 +3215,14 @@
       </p:grpSpPr>
       <p:sp>
         <p:nvSpPr>
-          <p:cNvPr id="82" name="TextShape 1"/>
-          <p:cNvSpPr txBox="1"/>
+          <p:cNvPr id="76" name="CustomShape 1"/>
+          <p:cNvSpPr/>
           <p:nvPr/>
         </p:nvSpPr>
         <p:spPr>
           <a:xfrm>
             <a:off x="1527840" y="943920"/>
-            <a:ext cx="9143640" cy="1496880"/>
+            <a:ext cx="9143280" cy="1496520"/>
           </a:xfrm>
           <a:prstGeom prst="rect">
             <a:avLst/>
@@ -3697,8 +3232,14 @@
             <a:noFill/>
           </a:ln>
         </p:spPr>
-        <p:txBody>
-          <a:bodyPr anchor="b">
+        <p:style>
+          <a:lnRef idx="0"/>
+          <a:fillRef idx="0"/>
+          <a:effectRef idx="0"/>
+          <a:fontRef idx="minor"/>
+        </p:style>
+        <p:txBody>
+          <a:bodyPr lIns="90000" rIns="90000" tIns="45000" bIns="45000" anchor="b">
             <a:normAutofit/>
           </a:bodyPr>
           <a:p>
@@ -3727,24 +3268,21 @@
               <a:t>Spell Checking System</a:t>
             </a:r>
             <a:endParaRPr b="0" lang="en-US" sz="6000" spc="-1" strike="noStrike">
-              <a:solidFill>
-                <a:srgbClr val="000000"/>
-              </a:solidFill>
-              <a:latin typeface="Calibri"/>
-            </a:endParaRPr>
-          </a:p>
-        </p:txBody>
-      </p:sp>
-      <p:sp>
-        <p:nvSpPr>
-          <p:cNvPr id="83" name="TextShape 2"/>
-          <p:cNvSpPr txBox="1"/>
+              <a:latin typeface="Arial"/>
+            </a:endParaRPr>
+          </a:p>
+        </p:txBody>
+      </p:sp>
+      <p:sp>
+        <p:nvSpPr>
+          <p:cNvPr id="77" name="CustomShape 2"/>
+          <p:cNvSpPr/>
           <p:nvPr/>
         </p:nvSpPr>
         <p:spPr>
           <a:xfrm>
             <a:off x="1523880" y="3602160"/>
-            <a:ext cx="9143640" cy="1655280"/>
+            <a:ext cx="9143280" cy="1654920"/>
           </a:xfrm>
           <a:prstGeom prst="rect">
             <a:avLst/>
@@ -3754,8 +3292,14 @@
             <a:noFill/>
           </a:ln>
         </p:spPr>
-        <p:txBody>
-          <a:bodyPr/>
+        <p:style>
+          <a:lnRef idx="0"/>
+          <a:fillRef idx="0"/>
+          <a:effectRef idx="0"/>
+          <a:fontRef idx="minor"/>
+        </p:style>
+        <p:txBody>
+          <a:bodyPr lIns="90000" rIns="90000" tIns="45000" bIns="45000"/>
           <a:p>
             <a:pPr algn="ctr">
               <a:lnSpc>
@@ -3875,14 +3419,14 @@
       </p:grpSpPr>
       <p:sp>
         <p:nvSpPr>
-          <p:cNvPr id="84" name="TextShape 1"/>
-          <p:cNvSpPr txBox="1"/>
+          <p:cNvPr id="78" name="CustomShape 1"/>
+          <p:cNvSpPr/>
           <p:nvPr/>
         </p:nvSpPr>
         <p:spPr>
           <a:xfrm>
             <a:off x="838080" y="365040"/>
-            <a:ext cx="10515240" cy="1325160"/>
+            <a:ext cx="10514880" cy="1324800"/>
           </a:xfrm>
           <a:prstGeom prst="rect">
             <a:avLst/>
@@ -3892,8 +3436,14 @@
             <a:noFill/>
           </a:ln>
         </p:spPr>
-        <p:txBody>
-          <a:bodyPr anchor="ctr"/>
+        <p:style>
+          <a:lnRef idx="0"/>
+          <a:fillRef idx="0"/>
+          <a:effectRef idx="0"/>
+          <a:fontRef idx="minor"/>
+        </p:style>
+        <p:txBody>
+          <a:bodyPr lIns="90000" rIns="90000" tIns="45000" bIns="45000" anchor="ctr"/>
           <a:p>
             <a:pPr>
               <a:lnSpc>
@@ -3910,24 +3460,21 @@
               <a:t>Project Description</a:t>
             </a:r>
             <a:endParaRPr b="0" lang="en-US" sz="4400" spc="-1" strike="noStrike">
-              <a:solidFill>
-                <a:srgbClr val="000000"/>
-              </a:solidFill>
-              <a:latin typeface="Calibri"/>
-            </a:endParaRPr>
-          </a:p>
-        </p:txBody>
-      </p:sp>
-      <p:sp>
-        <p:nvSpPr>
-          <p:cNvPr id="85" name="TextShape 2"/>
-          <p:cNvSpPr txBox="1"/>
+              <a:latin typeface="Arial"/>
+            </a:endParaRPr>
+          </a:p>
+        </p:txBody>
+      </p:sp>
+      <p:sp>
+        <p:nvSpPr>
+          <p:cNvPr id="79" name="CustomShape 2"/>
+          <p:cNvSpPr/>
           <p:nvPr/>
         </p:nvSpPr>
         <p:spPr>
           <a:xfrm>
             <a:off x="736200" y="1690560"/>
-            <a:ext cx="10617120" cy="4485960"/>
+            <a:ext cx="10616760" cy="4485600"/>
           </a:xfrm>
           <a:prstGeom prst="rect">
             <a:avLst/>
@@ -3937,8 +3484,14 @@
             <a:noFill/>
           </a:ln>
         </p:spPr>
-        <p:txBody>
-          <a:bodyPr>
+        <p:style>
+          <a:lnRef idx="0"/>
+          <a:fillRef idx="0"/>
+          <a:effectRef idx="0"/>
+          <a:fontRef idx="minor"/>
+        </p:style>
+        <p:txBody>
+          <a:bodyPr lIns="90000" rIns="90000" tIns="45000" bIns="45000">
             <a:normAutofit/>
           </a:bodyPr>
           <a:p>
@@ -3960,10 +3513,7 @@
               <a:t>Spelling  checking  plays  an  important  part  in  our  daily  life, especially  for international students whose mother language is not English, therefore developing a spell-checking system helps a lot and is extremely useful. </a:t>
             </a:r>
             <a:endParaRPr b="0" lang="en-US" sz="2800" spc="-1" strike="noStrike">
-              <a:solidFill>
-                <a:srgbClr val="000000"/>
-              </a:solidFill>
-              <a:latin typeface="Calibri"/>
+              <a:latin typeface="Arial"/>
             </a:endParaRPr>
           </a:p>
           <a:p>
@@ -3985,10 +3535,7 @@
               <a:t>Specifically, this system takes sentences as input, and give user suggestions on wrong words, which is very convenient and easy to use.</a:t>
             </a:r>
             <a:endParaRPr b="0" lang="en-US" sz="2800" spc="-1" strike="noStrike">
-              <a:solidFill>
-                <a:srgbClr val="000000"/>
-              </a:solidFill>
-              <a:latin typeface="Calibri"/>
+              <a:latin typeface="Arial"/>
             </a:endParaRPr>
           </a:p>
         </p:txBody>
@@ -4044,14 +3591,14 @@
       </p:grpSpPr>
       <p:sp>
         <p:nvSpPr>
-          <p:cNvPr id="86" name="TextShape 1"/>
-          <p:cNvSpPr txBox="1"/>
+          <p:cNvPr id="80" name="CustomShape 1"/>
+          <p:cNvSpPr/>
           <p:nvPr/>
         </p:nvSpPr>
         <p:spPr>
           <a:xfrm>
             <a:off x="838080" y="365040"/>
-            <a:ext cx="10515240" cy="1325160"/>
+            <a:ext cx="10514880" cy="1324800"/>
           </a:xfrm>
           <a:prstGeom prst="rect">
             <a:avLst/>
@@ -4061,8 +3608,14 @@
             <a:noFill/>
           </a:ln>
         </p:spPr>
-        <p:txBody>
-          <a:bodyPr anchor="ctr"/>
+        <p:style>
+          <a:lnRef idx="0"/>
+          <a:fillRef idx="0"/>
+          <a:effectRef idx="0"/>
+          <a:fontRef idx="minor"/>
+        </p:style>
+        <p:txBody>
+          <a:bodyPr lIns="90000" rIns="90000" tIns="45000" bIns="45000" anchor="ctr"/>
           <a:p>
             <a:pPr>
               <a:lnSpc>
@@ -4079,24 +3632,21 @@
               <a:t>Data Structure</a:t>
             </a:r>
             <a:endParaRPr b="0" lang="en-US" sz="4400" spc="-1" strike="noStrike">
-              <a:solidFill>
-                <a:srgbClr val="000000"/>
-              </a:solidFill>
-              <a:latin typeface="Calibri"/>
-            </a:endParaRPr>
-          </a:p>
-        </p:txBody>
-      </p:sp>
-      <p:sp>
-        <p:nvSpPr>
-          <p:cNvPr id="87" name="TextShape 2"/>
-          <p:cNvSpPr txBox="1"/>
+              <a:latin typeface="Arial"/>
+            </a:endParaRPr>
+          </a:p>
+        </p:txBody>
+      </p:sp>
+      <p:sp>
+        <p:nvSpPr>
+          <p:cNvPr id="81" name="CustomShape 2"/>
+          <p:cNvSpPr/>
           <p:nvPr/>
         </p:nvSpPr>
         <p:spPr>
           <a:xfrm>
             <a:off x="838080" y="1825560"/>
-            <a:ext cx="6298920" cy="4350960"/>
+            <a:ext cx="6298560" cy="4350600"/>
           </a:xfrm>
           <a:prstGeom prst="rect">
             <a:avLst/>
@@ -4106,8 +3656,14 @@
             <a:noFill/>
           </a:ln>
         </p:spPr>
-        <p:txBody>
-          <a:bodyPr/>
+        <p:style>
+          <a:lnRef idx="0"/>
+          <a:fillRef idx="0"/>
+          <a:effectRef idx="0"/>
+          <a:fontRef idx="minor"/>
+        </p:style>
+        <p:txBody>
+          <a:bodyPr lIns="90000" rIns="90000" tIns="45000" bIns="45000"/>
           <a:p>
             <a:pPr>
               <a:lnSpc>
@@ -4127,10 +3683,7 @@
               <a:t>In  this  project,  we  are  using  ternary  search  tree,  which is  a  type  of  trie(or  prefix  tree).  Compared  to  the  26-arytrie and binary tree, it has at most three children. So it’s more space-efficient than trie.</a:t>
             </a:r>
             <a:endParaRPr b="0" lang="en-US" sz="2800" spc="-1" strike="noStrike">
-              <a:solidFill>
-                <a:srgbClr val="000000"/>
-              </a:solidFill>
-              <a:latin typeface="Calibri"/>
+              <a:latin typeface="Arial"/>
             </a:endParaRPr>
           </a:p>
           <a:p>
@@ -4152,17 +3705,14 @@
               <a:t>Ternary  search  tree  supports  tree  operations:  Insertion, search  and  deletion.  The  time  complexity,  as  stated  be-fore, are O(log n).</a:t>
             </a:r>
             <a:endParaRPr b="0" lang="en-US" sz="2800" spc="-1" strike="noStrike">
-              <a:solidFill>
-                <a:srgbClr val="000000"/>
-              </a:solidFill>
-              <a:latin typeface="Calibri"/>
+              <a:latin typeface="Arial"/>
             </a:endParaRPr>
           </a:p>
         </p:txBody>
       </p:sp>
       <p:pic>
         <p:nvPicPr>
-          <p:cNvPr id="88" name="图片 4" descr=""/>
+          <p:cNvPr id="82" name="图片 4" descr=""/>
           <p:cNvPicPr/>
           <p:nvPr/>
         </p:nvPicPr>
@@ -4173,7 +3723,7 @@
         <p:spPr>
           <a:xfrm>
             <a:off x="8040240" y="1690560"/>
-            <a:ext cx="2319480" cy="4255560"/>
+            <a:ext cx="2319120" cy="4255200"/>
           </a:xfrm>
           <a:prstGeom prst="rect">
             <a:avLst/>
@@ -4234,7 +3784,7 @@
       </p:grpSpPr>
       <p:pic>
         <p:nvPicPr>
-          <p:cNvPr id="89" name="内容占位符 4" descr=""/>
+          <p:cNvPr id="83" name="内容占位符 4" descr=""/>
           <p:cNvPicPr/>
           <p:nvPr/>
         </p:nvPicPr>
@@ -4245,7 +3795,7 @@
         <p:spPr>
           <a:xfrm>
             <a:off x="4203000" y="365040"/>
-            <a:ext cx="6363000" cy="6122160"/>
+            <a:ext cx="6362640" cy="6121800"/>
           </a:xfrm>
           <a:prstGeom prst="rect">
             <a:avLst/>
@@ -4257,14 +3807,14 @@
       </p:pic>
       <p:sp>
         <p:nvSpPr>
-          <p:cNvPr id="90" name="TextShape 1"/>
-          <p:cNvSpPr txBox="1"/>
+          <p:cNvPr id="84" name="CustomShape 1"/>
+          <p:cNvSpPr/>
           <p:nvPr/>
         </p:nvSpPr>
         <p:spPr>
           <a:xfrm>
             <a:off x="838080" y="365040"/>
-            <a:ext cx="10515240" cy="1325160"/>
+            <a:ext cx="10514880" cy="1324800"/>
           </a:xfrm>
           <a:prstGeom prst="rect">
             <a:avLst/>
@@ -4274,8 +3824,14 @@
             <a:noFill/>
           </a:ln>
         </p:spPr>
-        <p:txBody>
-          <a:bodyPr anchor="ctr"/>
+        <p:style>
+          <a:lnRef idx="0"/>
+          <a:fillRef idx="0"/>
+          <a:effectRef idx="0"/>
+          <a:fontRef idx="minor"/>
+        </p:style>
+        <p:txBody>
+          <a:bodyPr lIns="90000" rIns="90000" tIns="45000" bIns="45000" anchor="ctr"/>
           <a:p>
             <a:pPr>
               <a:lnSpc>
@@ -4292,10 +3848,7 @@
               <a:t>Flow Diagram</a:t>
             </a:r>
             <a:endParaRPr b="0" lang="en-US" sz="4400" spc="-1" strike="noStrike">
-              <a:solidFill>
-                <a:srgbClr val="000000"/>
-              </a:solidFill>
-              <a:latin typeface="Calibri"/>
+              <a:latin typeface="Arial"/>
             </a:endParaRPr>
           </a:p>
         </p:txBody>
@@ -4351,14 +3904,14 @@
       </p:grpSpPr>
       <p:sp>
         <p:nvSpPr>
-          <p:cNvPr id="91" name="TextShape 1"/>
-          <p:cNvSpPr txBox="1"/>
+          <p:cNvPr id="85" name="CustomShape 1"/>
+          <p:cNvSpPr/>
           <p:nvPr/>
         </p:nvSpPr>
         <p:spPr>
           <a:xfrm>
             <a:off x="838440" y="365400"/>
-            <a:ext cx="10515240" cy="1325160"/>
+            <a:ext cx="10514880" cy="1324800"/>
           </a:xfrm>
           <a:prstGeom prst="rect">
             <a:avLst/>
@@ -4368,8 +3921,14 @@
             <a:noFill/>
           </a:ln>
         </p:spPr>
-        <p:txBody>
-          <a:bodyPr anchor="ctr"/>
+        <p:style>
+          <a:lnRef idx="0"/>
+          <a:fillRef idx="0"/>
+          <a:effectRef idx="0"/>
+          <a:fontRef idx="minor"/>
+        </p:style>
+        <p:txBody>
+          <a:bodyPr lIns="90000" rIns="90000" tIns="45000" bIns="45000" anchor="ctr"/>
           <a:p>
             <a:pPr>
               <a:lnSpc>
@@ -4386,17 +3945,14 @@
               <a:t>Demo screenshot</a:t>
             </a:r>
             <a:endParaRPr b="0" lang="en-US" sz="4400" spc="-1" strike="noStrike">
-              <a:solidFill>
-                <a:srgbClr val="000000"/>
-              </a:solidFill>
-              <a:latin typeface="Calibri"/>
+              <a:latin typeface="Arial"/>
             </a:endParaRPr>
           </a:p>
         </p:txBody>
       </p:sp>
       <p:pic>
         <p:nvPicPr>
-          <p:cNvPr id="92" name="" descr=""/>
+          <p:cNvPr id="86" name="" descr=""/>
           <p:cNvPicPr/>
           <p:nvPr/>
         </p:nvPicPr>
@@ -4406,8 +3962,8 @@
         </p:blipFill>
         <p:spPr>
           <a:xfrm>
-            <a:off x="2469240" y="1280160"/>
-            <a:ext cx="6857640" cy="5390640"/>
+            <a:off x="2834640" y="1424880"/>
+            <a:ext cx="6126480" cy="5067360"/>
           </a:xfrm>
           <a:prstGeom prst="rect">
             <a:avLst/>
